--- a/Stefanini/Stefanini.Clientes/Stefanini.Cliente.Experian/PMO metodología V.4.pptx
+++ b/Stefanini/Stefanini.Clientes/Stefanini.Cliente.Experian/PMO metodología V.4.pptx
@@ -17,11 +17,18 @@
     <p:sldId id="417" r:id="rId11"/>
     <p:sldId id="418" r:id="rId12"/>
     <p:sldId id="419" r:id="rId13"/>
-    <p:sldId id="420" r:id="rId14"/>
-    <p:sldId id="379" r:id="rId15"/>
-    <p:sldId id="408" r:id="rId16"/>
-    <p:sldId id="407" r:id="rId17"/>
-    <p:sldId id="406" r:id="rId18"/>
+    <p:sldId id="421" r:id="rId14"/>
+    <p:sldId id="420" r:id="rId15"/>
+    <p:sldId id="422" r:id="rId16"/>
+    <p:sldId id="423" r:id="rId17"/>
+    <p:sldId id="424" r:id="rId18"/>
+    <p:sldId id="425" r:id="rId19"/>
+    <p:sldId id="426" r:id="rId20"/>
+    <p:sldId id="427" r:id="rId21"/>
+    <p:sldId id="379" r:id="rId22"/>
+    <p:sldId id="408" r:id="rId23"/>
+    <p:sldId id="407" r:id="rId24"/>
+    <p:sldId id="406" r:id="rId25"/>
   </p:sldIdLst>
   <p:sldSz cx="12192000" cy="6858000"/>
   <p:notesSz cx="6858000" cy="9144000"/>
@@ -303,7 +310,7 @@
           <a:p>
             <a:fld id="{DFF8855A-BA0E-400D-A28E-AE035F2EE608}" type="datetimeFigureOut">
               <a:rPr lang="es-CO" smtClean="0"/>
-              <a:t>8/11/2018</a:t>
+              <a:t>13/11/2018</a:t>
             </a:fld>
             <a:endParaRPr lang="es-CO"/>
           </a:p>
@@ -503,7 +510,7 @@
           <a:p>
             <a:fld id="{DFF8855A-BA0E-400D-A28E-AE035F2EE608}" type="datetimeFigureOut">
               <a:rPr lang="es-CO" smtClean="0"/>
-              <a:t>8/11/2018</a:t>
+              <a:t>13/11/2018</a:t>
             </a:fld>
             <a:endParaRPr lang="es-CO"/>
           </a:p>
@@ -713,7 +720,7 @@
           <a:p>
             <a:fld id="{DFF8855A-BA0E-400D-A28E-AE035F2EE608}" type="datetimeFigureOut">
               <a:rPr lang="es-CO" smtClean="0"/>
-              <a:t>8/11/2018</a:t>
+              <a:t>13/11/2018</a:t>
             </a:fld>
             <a:endParaRPr lang="es-CO"/>
           </a:p>
@@ -914,7 +921,7 @@
           <a:p>
             <a:fld id="{A3E892C2-499F-894E-AAD0-AC8456EB37C1}" type="datetime1">
               <a:rPr lang="es-CO" smtClean="0"/>
-              <a:t>8/11/2018</a:t>
+              <a:t>13/11/2018</a:t>
             </a:fld>
             <a:endParaRPr lang="en-US" dirty="0"/>
           </a:p>
@@ -1535,7 +1542,7 @@
           <a:p>
             <a:fld id="{DFF8855A-BA0E-400D-A28E-AE035F2EE608}" type="datetimeFigureOut">
               <a:rPr lang="es-CO" smtClean="0"/>
-              <a:t>8/11/2018</a:t>
+              <a:t>13/11/2018</a:t>
             </a:fld>
             <a:endParaRPr lang="es-CO"/>
           </a:p>
@@ -1811,7 +1818,7 @@
           <a:p>
             <a:fld id="{DFF8855A-BA0E-400D-A28E-AE035F2EE608}" type="datetimeFigureOut">
               <a:rPr lang="es-CO" smtClean="0"/>
-              <a:t>8/11/2018</a:t>
+              <a:t>13/11/2018</a:t>
             </a:fld>
             <a:endParaRPr lang="es-CO"/>
           </a:p>
@@ -2079,7 +2086,7 @@
           <a:p>
             <a:fld id="{DFF8855A-BA0E-400D-A28E-AE035F2EE608}" type="datetimeFigureOut">
               <a:rPr lang="es-CO" smtClean="0"/>
-              <a:t>8/11/2018</a:t>
+              <a:t>13/11/2018</a:t>
             </a:fld>
             <a:endParaRPr lang="es-CO"/>
           </a:p>
@@ -2494,7 +2501,7 @@
           <a:p>
             <a:fld id="{DFF8855A-BA0E-400D-A28E-AE035F2EE608}" type="datetimeFigureOut">
               <a:rPr lang="es-CO" smtClean="0"/>
-              <a:t>8/11/2018</a:t>
+              <a:t>13/11/2018</a:t>
             </a:fld>
             <a:endParaRPr lang="es-CO"/>
           </a:p>
@@ -2636,7 +2643,7 @@
           <a:p>
             <a:fld id="{DFF8855A-BA0E-400D-A28E-AE035F2EE608}" type="datetimeFigureOut">
               <a:rPr lang="es-CO" smtClean="0"/>
-              <a:t>8/11/2018</a:t>
+              <a:t>13/11/2018</a:t>
             </a:fld>
             <a:endParaRPr lang="es-CO"/>
           </a:p>
@@ -2749,7 +2756,7 @@
           <a:p>
             <a:fld id="{DFF8855A-BA0E-400D-A28E-AE035F2EE608}" type="datetimeFigureOut">
               <a:rPr lang="es-CO" smtClean="0"/>
-              <a:t>8/11/2018</a:t>
+              <a:t>13/11/2018</a:t>
             </a:fld>
             <a:endParaRPr lang="es-CO"/>
           </a:p>
@@ -3062,7 +3069,7 @@
           <a:p>
             <a:fld id="{DFF8855A-BA0E-400D-A28E-AE035F2EE608}" type="datetimeFigureOut">
               <a:rPr lang="es-CO" smtClean="0"/>
-              <a:t>8/11/2018</a:t>
+              <a:t>13/11/2018</a:t>
             </a:fld>
             <a:endParaRPr lang="es-CO"/>
           </a:p>
@@ -3351,7 +3358,7 @@
           <a:p>
             <a:fld id="{DFF8855A-BA0E-400D-A28E-AE035F2EE608}" type="datetimeFigureOut">
               <a:rPr lang="es-CO" smtClean="0"/>
-              <a:t>8/11/2018</a:t>
+              <a:t>13/11/2018</a:t>
             </a:fld>
             <a:endParaRPr lang="es-CO"/>
           </a:p>
@@ -3594,7 +3601,7 @@
           <a:p>
             <a:fld id="{DFF8855A-BA0E-400D-A28E-AE035F2EE608}" type="datetimeFigureOut">
               <a:rPr lang="es-CO" smtClean="0"/>
-              <a:t>8/11/2018</a:t>
+              <a:t>13/11/2018</a:t>
             </a:fld>
             <a:endParaRPr lang="es-CO"/>
           </a:p>
@@ -5460,8 +5467,8 @@
         </p:nvSpPr>
         <p:spPr>
           <a:xfrm>
-            <a:off x="758331" y="5999416"/>
-            <a:ext cx="9446002" cy="646331"/>
+            <a:off x="305325" y="5052984"/>
+            <a:ext cx="9446002" cy="923330"/>
           </a:xfrm>
           <a:prstGeom prst="rect">
             <a:avLst/>
@@ -5476,22 +5483,31 @@
           <a:p>
             <a:pPr lvl="1"/>
             <a:r>
-              <a:rPr lang="es-ES" dirty="0" err="1">
+              <a:rPr lang="es-ES" dirty="0">
                 <a:solidFill>
                   <a:schemeClr val="accent1">
                     <a:lumMod val="75000"/>
                   </a:schemeClr>
                 </a:solidFill>
               </a:rPr>
-              <a:t>xxxxxxxxx</a:t>
-            </a:r>
-            <a:endParaRPr lang="es-ES" dirty="0">
-              <a:solidFill>
-                <a:schemeClr val="accent1">
-                  <a:lumMod val="75000"/>
-                </a:schemeClr>
-              </a:solidFill>
-            </a:endParaRPr>
+              <a:t>Pasos</a:t>
+            </a:r>
+          </a:p>
+          <a:p>
+            <a:pPr marL="800100" lvl="1" indent="-342900">
+              <a:buFont typeface="+mj-lt"/>
+              <a:buAutoNum type="arabicPeriod"/>
+            </a:pPr>
+            <a:r>
+              <a:rPr lang="es-ES" dirty="0">
+                <a:solidFill>
+                  <a:schemeClr val="accent1">
+                    <a:lumMod val="75000"/>
+                  </a:schemeClr>
+                </a:solidFill>
+              </a:rPr>
+              <a:t>Proceso</a:t>
+            </a:r>
           </a:p>
           <a:p>
             <a:pPr marL="800100" lvl="1" indent="-342900">
@@ -5896,6 +5912,16 @@
         </p:nvPicPr>
         <p:blipFill rotWithShape="1">
           <a:blip r:embed="rId2">
+            <a:clrChange>
+              <a:clrFrom>
+                <a:srgbClr val="FFFFFF"/>
+              </a:clrFrom>
+              <a:clrTo>
+                <a:srgbClr val="FFFFFF">
+                  <a:alpha val="0"/>
+                </a:srgbClr>
+              </a:clrTo>
+            </a:clrChange>
             <a:extLst>
               <a:ext uri="{28A0092B-C50C-407E-A947-70E740481C1C}">
                 <a14:useLocalDpi xmlns:a14="http://schemas.microsoft.com/office/drawing/2010/main" val="0"/>
@@ -5907,7 +5933,7 @@
         </p:blipFill>
         <p:spPr bwMode="auto">
           <a:xfrm>
-            <a:off x="645952" y="2531192"/>
+            <a:off x="565384" y="2117936"/>
             <a:ext cx="6345391" cy="2935048"/>
           </a:xfrm>
           <a:prstGeom prst="rect">
@@ -7072,15 +7098,515 @@
             <a:lstStyle/>
             <a:p>
               <a:r>
-                <a:rPr lang="es-ES" dirty="0" err="1">
+                <a:rPr lang="es-ES" dirty="0">
                   <a:solidFill>
                     <a:schemeClr val="accent1">
                       <a:lumMod val="75000"/>
                     </a:schemeClr>
                   </a:solidFill>
                 </a:rPr>
-                <a:t>Impact</a:t>
+                <a:t>Riesgos</a:t>
               </a:r>
+            </a:p>
+          </p:txBody>
+        </p:sp>
+        <p:sp>
+          <p:nvSpPr>
+            <p:cNvPr id="9" name="CuadroTexto 8">
+              <a:extLst>
+                <a:ext uri="{FF2B5EF4-FFF2-40B4-BE49-F238E27FC236}">
+                  <a16:creationId xmlns:a16="http://schemas.microsoft.com/office/drawing/2014/main" id="{55A46C92-D89F-42B7-B8DC-1721E02E2B38}"/>
+                </a:ext>
+              </a:extLst>
+            </p:cNvPr>
+            <p:cNvSpPr txBox="1"/>
+            <p:nvPr/>
+          </p:nvSpPr>
+          <p:spPr>
+            <a:xfrm>
+              <a:off x="923706" y="1896151"/>
+              <a:ext cx="947705" cy="751856"/>
+            </a:xfrm>
+            <a:prstGeom prst="rect">
+              <a:avLst/>
+            </a:prstGeom>
+            <a:noFill/>
+          </p:spPr>
+          <p:txBody>
+            <a:bodyPr wrap="none" rtlCol="0" anchor="ctr">
+              <a:noAutofit/>
+            </a:bodyPr>
+            <a:lstStyle/>
+            <a:p>
+              <a:pPr algn="ctr"/>
+              <a:r>
+                <a:rPr lang="es-CO" sz="2800" b="1" dirty="0">
+                  <a:solidFill>
+                    <a:schemeClr val="bg1"/>
+                  </a:solidFill>
+                  <a:latin typeface="Arial" panose="020B0604020202020204" pitchFamily="34" charset="0"/>
+                  <a:cs typeface="Arial" panose="020B0604020202020204" pitchFamily="34" charset="0"/>
+                </a:rPr>
+                <a:t>04</a:t>
+              </a:r>
+              <a:endParaRPr lang="es-CO" b="1" dirty="0">
+                <a:solidFill>
+                  <a:schemeClr val="bg1"/>
+                </a:solidFill>
+                <a:latin typeface="Arial" panose="020B0604020202020204" pitchFamily="34" charset="0"/>
+                <a:cs typeface="Arial" panose="020B0604020202020204" pitchFamily="34" charset="0"/>
+              </a:endParaRPr>
+            </a:p>
+          </p:txBody>
+        </p:sp>
+      </p:grpSp>
+    </p:spTree>
+    <p:extLst>
+      <p:ext uri="{BB962C8B-B14F-4D97-AF65-F5344CB8AC3E}">
+        <p14:creationId xmlns:p14="http://schemas.microsoft.com/office/powerpoint/2010/main" val="1789774378"/>
+      </p:ext>
+    </p:extLst>
+  </p:cSld>
+  <p:clrMapOvr>
+    <a:masterClrMapping/>
+  </p:clrMapOvr>
+</p:sld>
+</file>
+
+<file path=ppt/slides/slide14.xml><?xml version="1.0" encoding="utf-8"?>
+<p:sld xmlns:a="http://schemas.openxmlformats.org/drawingml/2006/main" xmlns:r="http://schemas.openxmlformats.org/officeDocument/2006/relationships" xmlns:p="http://schemas.openxmlformats.org/presentationml/2006/main">
+  <p:cSld>
+    <p:spTree>
+      <p:nvGrpSpPr>
+        <p:cNvPr id="1" name=""/>
+        <p:cNvGrpSpPr/>
+        <p:nvPr/>
+      </p:nvGrpSpPr>
+      <p:grpSpPr>
+        <a:xfrm>
+          <a:off x="0" y="0"/>
+          <a:ext cx="0" cy="0"/>
+          <a:chOff x="0" y="0"/>
+          <a:chExt cx="0" cy="0"/>
+        </a:xfrm>
+      </p:grpSpPr>
+      <p:sp>
+        <p:nvSpPr>
+          <p:cNvPr id="4" name="Título 3">
+            <a:extLst>
+              <a:ext uri="{FF2B5EF4-FFF2-40B4-BE49-F238E27FC236}">
+                <a16:creationId xmlns:a16="http://schemas.microsoft.com/office/drawing/2014/main" id="{6C82505A-C741-4787-816A-AD4CE9F18845}"/>
+              </a:ext>
+            </a:extLst>
+          </p:cNvPr>
+          <p:cNvSpPr>
+            <a:spLocks noGrp="1"/>
+          </p:cNvSpPr>
+          <p:nvPr>
+            <p:ph type="title"/>
+          </p:nvPr>
+        </p:nvSpPr>
+        <p:spPr>
+          <a:xfrm>
+            <a:off x="645952" y="726816"/>
+            <a:ext cx="9445616" cy="560997"/>
+          </a:xfrm>
+        </p:spPr>
+        <p:txBody>
+          <a:bodyPr>
+            <a:normAutofit fontScale="90000"/>
+          </a:bodyPr>
+          <a:lstStyle/>
+          <a:p>
+            <a:r>
+              <a:rPr lang="es-ES" b="1" dirty="0">
+                <a:solidFill>
+                  <a:srgbClr val="AD198D"/>
+                </a:solidFill>
+              </a:rPr>
+              <a:t>En la </a:t>
+            </a:r>
+            <a:r>
+              <a:rPr lang="es-ES" b="1" dirty="0" err="1">
+                <a:solidFill>
+                  <a:srgbClr val="AD198D"/>
+                </a:solidFill>
+              </a:rPr>
+              <a:t>Inception</a:t>
+            </a:r>
+            <a:endParaRPr lang="es-CO" b="1" dirty="0">
+              <a:solidFill>
+                <a:schemeClr val="accent1">
+                  <a:lumMod val="75000"/>
+                </a:schemeClr>
+              </a:solidFill>
+            </a:endParaRPr>
+          </a:p>
+        </p:txBody>
+      </p:sp>
+      <p:sp>
+        <p:nvSpPr>
+          <p:cNvPr id="6" name="CuadroTexto 5">
+            <a:extLst>
+              <a:ext uri="{FF2B5EF4-FFF2-40B4-BE49-F238E27FC236}">
+                <a16:creationId xmlns:a16="http://schemas.microsoft.com/office/drawing/2014/main" id="{D8711CCA-9202-4152-835A-EBF1A3278DB1}"/>
+              </a:ext>
+            </a:extLst>
+          </p:cNvPr>
+          <p:cNvSpPr txBox="1"/>
+          <p:nvPr/>
+        </p:nvSpPr>
+        <p:spPr>
+          <a:xfrm>
+            <a:off x="758331" y="5999416"/>
+            <a:ext cx="9446002" cy="646331"/>
+          </a:xfrm>
+          <a:prstGeom prst="rect">
+            <a:avLst/>
+          </a:prstGeom>
+          <a:noFill/>
+        </p:spPr>
+        <p:txBody>
+          <a:bodyPr wrap="square" rtlCol="0">
+            <a:spAutoFit/>
+          </a:bodyPr>
+          <a:lstStyle/>
+          <a:p>
+            <a:pPr lvl="1"/>
+            <a:r>
+              <a:rPr lang="es-ES" dirty="0" err="1">
+                <a:solidFill>
+                  <a:schemeClr val="accent1">
+                    <a:lumMod val="75000"/>
+                  </a:schemeClr>
+                </a:solidFill>
+              </a:rPr>
+              <a:t>xxxxxxxxx</a:t>
+            </a:r>
+            <a:endParaRPr lang="es-ES" dirty="0">
+              <a:solidFill>
+                <a:schemeClr val="accent1">
+                  <a:lumMod val="75000"/>
+                </a:schemeClr>
+              </a:solidFill>
+            </a:endParaRPr>
+          </a:p>
+          <a:p>
+            <a:pPr marL="800100" lvl="1" indent="-342900">
+              <a:buAutoNum type="arabicPeriod"/>
+            </a:pPr>
+            <a:endParaRPr lang="es-ES" dirty="0">
+              <a:solidFill>
+                <a:schemeClr val="accent1">
+                  <a:lumMod val="75000"/>
+                </a:schemeClr>
+              </a:solidFill>
+            </a:endParaRPr>
+          </a:p>
+        </p:txBody>
+      </p:sp>
+      <p:cxnSp>
+        <p:nvCxnSpPr>
+          <p:cNvPr id="3" name="Conector recto 2">
+            <a:extLst>
+              <a:ext uri="{FF2B5EF4-FFF2-40B4-BE49-F238E27FC236}">
+                <a16:creationId xmlns:a16="http://schemas.microsoft.com/office/drawing/2014/main" id="{27CE9D79-97AE-41A9-BC40-612A619BFC26}"/>
+              </a:ext>
+            </a:extLst>
+          </p:cNvPr>
+          <p:cNvCxnSpPr/>
+          <p:nvPr/>
+        </p:nvCxnSpPr>
+        <p:spPr>
+          <a:xfrm>
+            <a:off x="645952" y="1375794"/>
+            <a:ext cx="10192624" cy="0"/>
+          </a:xfrm>
+          <a:prstGeom prst="line">
+            <a:avLst/>
+          </a:prstGeom>
+          <a:ln w="28575">
+            <a:solidFill>
+              <a:srgbClr val="7030A0"/>
+            </a:solidFill>
+          </a:ln>
+        </p:spPr>
+        <p:style>
+          <a:lnRef idx="1">
+            <a:schemeClr val="accent1"/>
+          </a:lnRef>
+          <a:fillRef idx="0">
+            <a:schemeClr val="accent1"/>
+          </a:fillRef>
+          <a:effectRef idx="0">
+            <a:schemeClr val="accent1"/>
+          </a:effectRef>
+          <a:fontRef idx="minor">
+            <a:schemeClr val="tx1"/>
+          </a:fontRef>
+        </p:style>
+      </p:cxnSp>
+      <p:grpSp>
+        <p:nvGrpSpPr>
+          <p:cNvPr id="5" name="Grupo 4">
+            <a:extLst>
+              <a:ext uri="{FF2B5EF4-FFF2-40B4-BE49-F238E27FC236}">
+                <a16:creationId xmlns:a16="http://schemas.microsoft.com/office/drawing/2014/main" id="{266E1E50-0728-4303-9C87-1AECB1A24B27}"/>
+              </a:ext>
+            </a:extLst>
+          </p:cNvPr>
+          <p:cNvGrpSpPr/>
+          <p:nvPr/>
+        </p:nvGrpSpPr>
+        <p:grpSpPr>
+          <a:xfrm>
+            <a:off x="506040" y="1533574"/>
+            <a:ext cx="2813544" cy="764655"/>
+            <a:chOff x="923706" y="1883352"/>
+            <a:chExt cx="2670151" cy="764655"/>
+          </a:xfrm>
+        </p:grpSpPr>
+        <p:sp>
+          <p:nvSpPr>
+            <p:cNvPr id="7" name="Redondear rectángulo de esquina sencilla 4">
+              <a:extLst>
+                <a:ext uri="{FF2B5EF4-FFF2-40B4-BE49-F238E27FC236}">
+                  <a16:creationId xmlns:a16="http://schemas.microsoft.com/office/drawing/2014/main" id="{5159601C-554E-42FD-B1A4-02F607B58991}"/>
+                </a:ext>
+              </a:extLst>
+            </p:cNvPr>
+            <p:cNvSpPr/>
+            <p:nvPr/>
+          </p:nvSpPr>
+          <p:spPr>
+            <a:xfrm rot="10800000">
+              <a:off x="923706" y="1883352"/>
+              <a:ext cx="947706" cy="751857"/>
+            </a:xfrm>
+            <a:custGeom>
+              <a:avLst/>
+              <a:gdLst>
+                <a:gd name="connsiteX0" fmla="*/ 0 w 947706"/>
+                <a:gd name="connsiteY0" fmla="*/ 0 h 776366"/>
+                <a:gd name="connsiteX1" fmla="*/ 818309 w 947706"/>
+                <a:gd name="connsiteY1" fmla="*/ 0 h 776366"/>
+                <a:gd name="connsiteX2" fmla="*/ 947706 w 947706"/>
+                <a:gd name="connsiteY2" fmla="*/ 129397 h 776366"/>
+                <a:gd name="connsiteX3" fmla="*/ 947706 w 947706"/>
+                <a:gd name="connsiteY3" fmla="*/ 776366 h 776366"/>
+                <a:gd name="connsiteX4" fmla="*/ 0 w 947706"/>
+                <a:gd name="connsiteY4" fmla="*/ 776366 h 776366"/>
+                <a:gd name="connsiteX5" fmla="*/ 0 w 947706"/>
+                <a:gd name="connsiteY5" fmla="*/ 0 h 776366"/>
+                <a:gd name="connsiteX0" fmla="*/ 0 w 947706"/>
+                <a:gd name="connsiteY0" fmla="*/ 0 h 776366"/>
+                <a:gd name="connsiteX1" fmla="*/ 818309 w 947706"/>
+                <a:gd name="connsiteY1" fmla="*/ 0 h 776366"/>
+                <a:gd name="connsiteX2" fmla="*/ 947706 w 947706"/>
+                <a:gd name="connsiteY2" fmla="*/ 129397 h 776366"/>
+                <a:gd name="connsiteX3" fmla="*/ 924846 w 947706"/>
+                <a:gd name="connsiteY3" fmla="*/ 776366 h 776366"/>
+                <a:gd name="connsiteX4" fmla="*/ 0 w 947706"/>
+                <a:gd name="connsiteY4" fmla="*/ 776366 h 776366"/>
+                <a:gd name="connsiteX5" fmla="*/ 0 w 947706"/>
+                <a:gd name="connsiteY5" fmla="*/ 0 h 776366"/>
+                <a:gd name="connsiteX0" fmla="*/ 0 w 947706"/>
+                <a:gd name="connsiteY0" fmla="*/ 0 h 776366"/>
+                <a:gd name="connsiteX1" fmla="*/ 818309 w 947706"/>
+                <a:gd name="connsiteY1" fmla="*/ 0 h 776366"/>
+                <a:gd name="connsiteX2" fmla="*/ 947706 w 947706"/>
+                <a:gd name="connsiteY2" fmla="*/ 129397 h 776366"/>
+                <a:gd name="connsiteX3" fmla="*/ 901986 w 947706"/>
+                <a:gd name="connsiteY3" fmla="*/ 768746 h 776366"/>
+                <a:gd name="connsiteX4" fmla="*/ 0 w 947706"/>
+                <a:gd name="connsiteY4" fmla="*/ 776366 h 776366"/>
+                <a:gd name="connsiteX5" fmla="*/ 0 w 947706"/>
+                <a:gd name="connsiteY5" fmla="*/ 0 h 776366"/>
+                <a:gd name="connsiteX0" fmla="*/ 0 w 947706"/>
+                <a:gd name="connsiteY0" fmla="*/ 0 h 776366"/>
+                <a:gd name="connsiteX1" fmla="*/ 843709 w 947706"/>
+                <a:gd name="connsiteY1" fmla="*/ 0 h 776366"/>
+                <a:gd name="connsiteX2" fmla="*/ 947706 w 947706"/>
+                <a:gd name="connsiteY2" fmla="*/ 129397 h 776366"/>
+                <a:gd name="connsiteX3" fmla="*/ 901986 w 947706"/>
+                <a:gd name="connsiteY3" fmla="*/ 768746 h 776366"/>
+                <a:gd name="connsiteX4" fmla="*/ 0 w 947706"/>
+                <a:gd name="connsiteY4" fmla="*/ 776366 h 776366"/>
+                <a:gd name="connsiteX5" fmla="*/ 0 w 947706"/>
+                <a:gd name="connsiteY5" fmla="*/ 0 h 776366"/>
+                <a:gd name="connsiteX0" fmla="*/ 0 w 947706"/>
+                <a:gd name="connsiteY0" fmla="*/ 0 h 776366"/>
+                <a:gd name="connsiteX1" fmla="*/ 843709 w 947706"/>
+                <a:gd name="connsiteY1" fmla="*/ 0 h 776366"/>
+                <a:gd name="connsiteX2" fmla="*/ 947706 w 947706"/>
+                <a:gd name="connsiteY2" fmla="*/ 116697 h 776366"/>
+                <a:gd name="connsiteX3" fmla="*/ 901986 w 947706"/>
+                <a:gd name="connsiteY3" fmla="*/ 768746 h 776366"/>
+                <a:gd name="connsiteX4" fmla="*/ 0 w 947706"/>
+                <a:gd name="connsiteY4" fmla="*/ 776366 h 776366"/>
+                <a:gd name="connsiteX5" fmla="*/ 0 w 947706"/>
+                <a:gd name="connsiteY5" fmla="*/ 0 h 776366"/>
+                <a:gd name="connsiteX0" fmla="*/ 0 w 947706"/>
+                <a:gd name="connsiteY0" fmla="*/ 0 h 776366"/>
+                <a:gd name="connsiteX1" fmla="*/ 843709 w 947706"/>
+                <a:gd name="connsiteY1" fmla="*/ 0 h 776366"/>
+                <a:gd name="connsiteX2" fmla="*/ 947706 w 947706"/>
+                <a:gd name="connsiteY2" fmla="*/ 116697 h 776366"/>
+                <a:gd name="connsiteX3" fmla="*/ 940086 w 947706"/>
+                <a:gd name="connsiteY3" fmla="*/ 743346 h 776366"/>
+                <a:gd name="connsiteX4" fmla="*/ 0 w 947706"/>
+                <a:gd name="connsiteY4" fmla="*/ 776366 h 776366"/>
+                <a:gd name="connsiteX5" fmla="*/ 0 w 947706"/>
+                <a:gd name="connsiteY5" fmla="*/ 0 h 776366"/>
+                <a:gd name="connsiteX0" fmla="*/ 0 w 947706"/>
+                <a:gd name="connsiteY0" fmla="*/ 0 h 790909"/>
+                <a:gd name="connsiteX1" fmla="*/ 843709 w 947706"/>
+                <a:gd name="connsiteY1" fmla="*/ 0 h 790909"/>
+                <a:gd name="connsiteX2" fmla="*/ 947706 w 947706"/>
+                <a:gd name="connsiteY2" fmla="*/ 116697 h 790909"/>
+                <a:gd name="connsiteX3" fmla="*/ 921036 w 947706"/>
+                <a:gd name="connsiteY3" fmla="*/ 790909 h 790909"/>
+                <a:gd name="connsiteX4" fmla="*/ 0 w 947706"/>
+                <a:gd name="connsiteY4" fmla="*/ 776366 h 790909"/>
+                <a:gd name="connsiteX5" fmla="*/ 0 w 947706"/>
+                <a:gd name="connsiteY5" fmla="*/ 0 h 790909"/>
+                <a:gd name="connsiteX0" fmla="*/ 0 w 947706"/>
+                <a:gd name="connsiteY0" fmla="*/ 0 h 804498"/>
+                <a:gd name="connsiteX1" fmla="*/ 843709 w 947706"/>
+                <a:gd name="connsiteY1" fmla="*/ 0 h 804498"/>
+                <a:gd name="connsiteX2" fmla="*/ 947706 w 947706"/>
+                <a:gd name="connsiteY2" fmla="*/ 116697 h 804498"/>
+                <a:gd name="connsiteX3" fmla="*/ 946436 w 947706"/>
+                <a:gd name="connsiteY3" fmla="*/ 804498 h 804498"/>
+                <a:gd name="connsiteX4" fmla="*/ 0 w 947706"/>
+                <a:gd name="connsiteY4" fmla="*/ 776366 h 804498"/>
+                <a:gd name="connsiteX5" fmla="*/ 0 w 947706"/>
+                <a:gd name="connsiteY5" fmla="*/ 0 h 804498"/>
+                <a:gd name="connsiteX0" fmla="*/ 0 w 947706"/>
+                <a:gd name="connsiteY0" fmla="*/ 0 h 804498"/>
+                <a:gd name="connsiteX1" fmla="*/ 843709 w 947706"/>
+                <a:gd name="connsiteY1" fmla="*/ 0 h 804498"/>
+                <a:gd name="connsiteX2" fmla="*/ 947706 w 947706"/>
+                <a:gd name="connsiteY2" fmla="*/ 116697 h 804498"/>
+                <a:gd name="connsiteX3" fmla="*/ 946436 w 947706"/>
+                <a:gd name="connsiteY3" fmla="*/ 804498 h 804498"/>
+                <a:gd name="connsiteX4" fmla="*/ 0 w 947706"/>
+                <a:gd name="connsiteY4" fmla="*/ 803545 h 804498"/>
+                <a:gd name="connsiteX5" fmla="*/ 0 w 947706"/>
+                <a:gd name="connsiteY5" fmla="*/ 0 h 804498"/>
+              </a:gdLst>
+              <a:ahLst/>
+              <a:cxnLst>
+                <a:cxn ang="0">
+                  <a:pos x="connsiteX0" y="connsiteY0"/>
+                </a:cxn>
+                <a:cxn ang="0">
+                  <a:pos x="connsiteX1" y="connsiteY1"/>
+                </a:cxn>
+                <a:cxn ang="0">
+                  <a:pos x="connsiteX2" y="connsiteY2"/>
+                </a:cxn>
+                <a:cxn ang="0">
+                  <a:pos x="connsiteX3" y="connsiteY3"/>
+                </a:cxn>
+                <a:cxn ang="0">
+                  <a:pos x="connsiteX4" y="connsiteY4"/>
+                </a:cxn>
+                <a:cxn ang="0">
+                  <a:pos x="connsiteX5" y="connsiteY5"/>
+                </a:cxn>
+              </a:cxnLst>
+              <a:rect l="l" t="t" r="r" b="b"/>
+              <a:pathLst>
+                <a:path w="947706" h="804498">
+                  <a:moveTo>
+                    <a:pt x="0" y="0"/>
+                  </a:moveTo>
+                  <a:lnTo>
+                    <a:pt x="843709" y="0"/>
+                  </a:lnTo>
+                  <a:cubicBezTo>
+                    <a:pt x="915173" y="0"/>
+                    <a:pt x="947706" y="45233"/>
+                    <a:pt x="947706" y="116697"/>
+                  </a:cubicBezTo>
+                  <a:cubicBezTo>
+                    <a:pt x="947283" y="345964"/>
+                    <a:pt x="946859" y="575231"/>
+                    <a:pt x="946436" y="804498"/>
+                  </a:cubicBezTo>
+                  <a:lnTo>
+                    <a:pt x="0" y="803545"/>
+                  </a:lnTo>
+                  <a:lnTo>
+                    <a:pt x="0" y="0"/>
+                  </a:lnTo>
+                  <a:close/>
+                </a:path>
+              </a:pathLst>
+            </a:custGeom>
+            <a:ln>
+              <a:noFill/>
+            </a:ln>
+          </p:spPr>
+          <p:style>
+            <a:lnRef idx="2">
+              <a:schemeClr val="accent1">
+                <a:shade val="50000"/>
+              </a:schemeClr>
+            </a:lnRef>
+            <a:fillRef idx="1">
+              <a:schemeClr val="accent1"/>
+            </a:fillRef>
+            <a:effectRef idx="0">
+              <a:schemeClr val="accent1"/>
+            </a:effectRef>
+            <a:fontRef idx="minor">
+              <a:schemeClr val="lt1"/>
+            </a:fontRef>
+          </p:style>
+          <p:txBody>
+            <a:bodyPr rtlCol="0" anchor="ctr"/>
+            <a:lstStyle/>
+            <a:p>
+              <a:pPr algn="ctr"/>
+              <a:endParaRPr lang="es-CO" dirty="0"/>
+            </a:p>
+          </p:txBody>
+        </p:sp>
+        <p:sp>
+          <p:nvSpPr>
+            <p:cNvPr id="8" name="CuadroTexto 7">
+              <a:extLst>
+                <a:ext uri="{FF2B5EF4-FFF2-40B4-BE49-F238E27FC236}">
+                  <a16:creationId xmlns:a16="http://schemas.microsoft.com/office/drawing/2014/main" id="{1ED15928-E36F-42B9-8C83-2BD48D6C9B89}"/>
+                </a:ext>
+              </a:extLst>
+            </p:cNvPr>
+            <p:cNvSpPr txBox="1"/>
+            <p:nvPr/>
+          </p:nvSpPr>
+          <p:spPr>
+            <a:xfrm>
+              <a:off x="1854634" y="1896152"/>
+              <a:ext cx="1739223" cy="739058"/>
+            </a:xfrm>
+            <a:prstGeom prst="rect">
+              <a:avLst/>
+            </a:prstGeom>
+            <a:noFill/>
+            <a:ln>
+              <a:solidFill>
+                <a:srgbClr val="AD198D"/>
+              </a:solidFill>
+            </a:ln>
+          </p:spPr>
+          <p:txBody>
+            <a:bodyPr wrap="square" rtlCol="0" anchor="ctr">
+              <a:noAutofit/>
+            </a:bodyPr>
+            <a:lstStyle/>
+            <a:p>
               <a:r>
                 <a:rPr lang="es-ES" dirty="0">
                   <a:solidFill>
@@ -7089,7 +7615,2557 @@
                     </a:schemeClr>
                   </a:solidFill>
                 </a:rPr>
-                <a:t> </a:t>
+                <a:t>Arquitectura Base</a:t>
+              </a:r>
+            </a:p>
+          </p:txBody>
+        </p:sp>
+        <p:sp>
+          <p:nvSpPr>
+            <p:cNvPr id="9" name="CuadroTexto 8">
+              <a:extLst>
+                <a:ext uri="{FF2B5EF4-FFF2-40B4-BE49-F238E27FC236}">
+                  <a16:creationId xmlns:a16="http://schemas.microsoft.com/office/drawing/2014/main" id="{55A46C92-D89F-42B7-B8DC-1721E02E2B38}"/>
+                </a:ext>
+              </a:extLst>
+            </p:cNvPr>
+            <p:cNvSpPr txBox="1"/>
+            <p:nvPr/>
+          </p:nvSpPr>
+          <p:spPr>
+            <a:xfrm>
+              <a:off x="923706" y="1896151"/>
+              <a:ext cx="947705" cy="751856"/>
+            </a:xfrm>
+            <a:prstGeom prst="rect">
+              <a:avLst/>
+            </a:prstGeom>
+            <a:noFill/>
+          </p:spPr>
+          <p:txBody>
+            <a:bodyPr wrap="none" rtlCol="0" anchor="ctr">
+              <a:noAutofit/>
+            </a:bodyPr>
+            <a:lstStyle/>
+            <a:p>
+              <a:pPr algn="ctr"/>
+              <a:r>
+                <a:rPr lang="es-CO" sz="2800" b="1" dirty="0">
+                  <a:solidFill>
+                    <a:schemeClr val="bg1"/>
+                  </a:solidFill>
+                  <a:latin typeface="Arial" panose="020B0604020202020204" pitchFamily="34" charset="0"/>
+                  <a:cs typeface="Arial" panose="020B0604020202020204" pitchFamily="34" charset="0"/>
+                </a:rPr>
+                <a:t>04</a:t>
+              </a:r>
+              <a:endParaRPr lang="es-CO" b="1" dirty="0">
+                <a:solidFill>
+                  <a:schemeClr val="bg1"/>
+                </a:solidFill>
+                <a:latin typeface="Arial" panose="020B0604020202020204" pitchFamily="34" charset="0"/>
+                <a:cs typeface="Arial" panose="020B0604020202020204" pitchFamily="34" charset="0"/>
+              </a:endParaRPr>
+            </a:p>
+          </p:txBody>
+        </p:sp>
+      </p:grpSp>
+    </p:spTree>
+    <p:extLst>
+      <p:ext uri="{BB962C8B-B14F-4D97-AF65-F5344CB8AC3E}">
+        <p14:creationId xmlns:p14="http://schemas.microsoft.com/office/powerpoint/2010/main" val="1871610968"/>
+      </p:ext>
+    </p:extLst>
+  </p:cSld>
+  <p:clrMapOvr>
+    <a:masterClrMapping/>
+  </p:clrMapOvr>
+</p:sld>
+</file>
+
+<file path=ppt/slides/slide15.xml><?xml version="1.0" encoding="utf-8"?>
+<p:sld xmlns:a="http://schemas.openxmlformats.org/drawingml/2006/main" xmlns:r="http://schemas.openxmlformats.org/officeDocument/2006/relationships" xmlns:p="http://schemas.openxmlformats.org/presentationml/2006/main">
+  <p:cSld>
+    <p:spTree>
+      <p:nvGrpSpPr>
+        <p:cNvPr id="1" name=""/>
+        <p:cNvGrpSpPr/>
+        <p:nvPr/>
+      </p:nvGrpSpPr>
+      <p:grpSpPr>
+        <a:xfrm>
+          <a:off x="0" y="0"/>
+          <a:ext cx="0" cy="0"/>
+          <a:chOff x="0" y="0"/>
+          <a:chExt cx="0" cy="0"/>
+        </a:xfrm>
+      </p:grpSpPr>
+      <p:sp>
+        <p:nvSpPr>
+          <p:cNvPr id="4" name="Título 3">
+            <a:extLst>
+              <a:ext uri="{FF2B5EF4-FFF2-40B4-BE49-F238E27FC236}">
+                <a16:creationId xmlns:a16="http://schemas.microsoft.com/office/drawing/2014/main" id="{6C82505A-C741-4787-816A-AD4CE9F18845}"/>
+              </a:ext>
+            </a:extLst>
+          </p:cNvPr>
+          <p:cNvSpPr>
+            <a:spLocks noGrp="1"/>
+          </p:cNvSpPr>
+          <p:nvPr>
+            <p:ph type="title"/>
+          </p:nvPr>
+        </p:nvSpPr>
+        <p:spPr>
+          <a:xfrm>
+            <a:off x="645952" y="726816"/>
+            <a:ext cx="9445616" cy="560997"/>
+          </a:xfrm>
+        </p:spPr>
+        <p:txBody>
+          <a:bodyPr>
+            <a:normAutofit fontScale="90000"/>
+          </a:bodyPr>
+          <a:lstStyle/>
+          <a:p>
+            <a:r>
+              <a:rPr lang="es-ES" b="1" dirty="0">
+                <a:solidFill>
+                  <a:srgbClr val="AD198D"/>
+                </a:solidFill>
+              </a:rPr>
+              <a:t>En la </a:t>
+            </a:r>
+            <a:r>
+              <a:rPr lang="es-ES" b="1" dirty="0" err="1">
+                <a:solidFill>
+                  <a:srgbClr val="AD198D"/>
+                </a:solidFill>
+              </a:rPr>
+              <a:t>Inception</a:t>
+            </a:r>
+            <a:endParaRPr lang="es-CO" b="1" dirty="0">
+              <a:solidFill>
+                <a:schemeClr val="accent1">
+                  <a:lumMod val="75000"/>
+                </a:schemeClr>
+              </a:solidFill>
+            </a:endParaRPr>
+          </a:p>
+        </p:txBody>
+      </p:sp>
+      <p:sp>
+        <p:nvSpPr>
+          <p:cNvPr id="6" name="CuadroTexto 5">
+            <a:extLst>
+              <a:ext uri="{FF2B5EF4-FFF2-40B4-BE49-F238E27FC236}">
+                <a16:creationId xmlns:a16="http://schemas.microsoft.com/office/drawing/2014/main" id="{D8711CCA-9202-4152-835A-EBF1A3278DB1}"/>
+              </a:ext>
+            </a:extLst>
+          </p:cNvPr>
+          <p:cNvSpPr txBox="1"/>
+          <p:nvPr/>
+        </p:nvSpPr>
+        <p:spPr>
+          <a:xfrm>
+            <a:off x="758331" y="5999416"/>
+            <a:ext cx="9446002" cy="646331"/>
+          </a:xfrm>
+          <a:prstGeom prst="rect">
+            <a:avLst/>
+          </a:prstGeom>
+          <a:noFill/>
+        </p:spPr>
+        <p:txBody>
+          <a:bodyPr wrap="square" rtlCol="0">
+            <a:spAutoFit/>
+          </a:bodyPr>
+          <a:lstStyle/>
+          <a:p>
+            <a:pPr lvl="1"/>
+            <a:r>
+              <a:rPr lang="es-ES" dirty="0" err="1">
+                <a:solidFill>
+                  <a:schemeClr val="accent1">
+                    <a:lumMod val="75000"/>
+                  </a:schemeClr>
+                </a:solidFill>
+              </a:rPr>
+              <a:t>xxxxxxxxx</a:t>
+            </a:r>
+            <a:endParaRPr lang="es-ES" dirty="0">
+              <a:solidFill>
+                <a:schemeClr val="accent1">
+                  <a:lumMod val="75000"/>
+                </a:schemeClr>
+              </a:solidFill>
+            </a:endParaRPr>
+          </a:p>
+          <a:p>
+            <a:pPr marL="800100" lvl="1" indent="-342900">
+              <a:buAutoNum type="arabicPeriod"/>
+            </a:pPr>
+            <a:endParaRPr lang="es-ES" dirty="0">
+              <a:solidFill>
+                <a:schemeClr val="accent1">
+                  <a:lumMod val="75000"/>
+                </a:schemeClr>
+              </a:solidFill>
+            </a:endParaRPr>
+          </a:p>
+        </p:txBody>
+      </p:sp>
+      <p:cxnSp>
+        <p:nvCxnSpPr>
+          <p:cNvPr id="3" name="Conector recto 2">
+            <a:extLst>
+              <a:ext uri="{FF2B5EF4-FFF2-40B4-BE49-F238E27FC236}">
+                <a16:creationId xmlns:a16="http://schemas.microsoft.com/office/drawing/2014/main" id="{27CE9D79-97AE-41A9-BC40-612A619BFC26}"/>
+              </a:ext>
+            </a:extLst>
+          </p:cNvPr>
+          <p:cNvCxnSpPr/>
+          <p:nvPr/>
+        </p:nvCxnSpPr>
+        <p:spPr>
+          <a:xfrm>
+            <a:off x="645952" y="1375794"/>
+            <a:ext cx="10192624" cy="0"/>
+          </a:xfrm>
+          <a:prstGeom prst="line">
+            <a:avLst/>
+          </a:prstGeom>
+          <a:ln w="28575">
+            <a:solidFill>
+              <a:srgbClr val="7030A0"/>
+            </a:solidFill>
+          </a:ln>
+        </p:spPr>
+        <p:style>
+          <a:lnRef idx="1">
+            <a:schemeClr val="accent1"/>
+          </a:lnRef>
+          <a:fillRef idx="0">
+            <a:schemeClr val="accent1"/>
+          </a:fillRef>
+          <a:effectRef idx="0">
+            <a:schemeClr val="accent1"/>
+          </a:effectRef>
+          <a:fontRef idx="minor">
+            <a:schemeClr val="tx1"/>
+          </a:fontRef>
+        </p:style>
+      </p:cxnSp>
+      <p:grpSp>
+        <p:nvGrpSpPr>
+          <p:cNvPr id="5" name="Grupo 4">
+            <a:extLst>
+              <a:ext uri="{FF2B5EF4-FFF2-40B4-BE49-F238E27FC236}">
+                <a16:creationId xmlns:a16="http://schemas.microsoft.com/office/drawing/2014/main" id="{266E1E50-0728-4303-9C87-1AECB1A24B27}"/>
+              </a:ext>
+            </a:extLst>
+          </p:cNvPr>
+          <p:cNvGrpSpPr/>
+          <p:nvPr/>
+        </p:nvGrpSpPr>
+        <p:grpSpPr>
+          <a:xfrm>
+            <a:off x="506040" y="1533574"/>
+            <a:ext cx="2813544" cy="764655"/>
+            <a:chOff x="923706" y="1883352"/>
+            <a:chExt cx="2670151" cy="764655"/>
+          </a:xfrm>
+        </p:grpSpPr>
+        <p:sp>
+          <p:nvSpPr>
+            <p:cNvPr id="7" name="Redondear rectángulo de esquina sencilla 4">
+              <a:extLst>
+                <a:ext uri="{FF2B5EF4-FFF2-40B4-BE49-F238E27FC236}">
+                  <a16:creationId xmlns:a16="http://schemas.microsoft.com/office/drawing/2014/main" id="{5159601C-554E-42FD-B1A4-02F607B58991}"/>
+                </a:ext>
+              </a:extLst>
+            </p:cNvPr>
+            <p:cNvSpPr/>
+            <p:nvPr/>
+          </p:nvSpPr>
+          <p:spPr>
+            <a:xfrm rot="10800000">
+              <a:off x="923706" y="1883352"/>
+              <a:ext cx="947706" cy="751857"/>
+            </a:xfrm>
+            <a:custGeom>
+              <a:avLst/>
+              <a:gdLst>
+                <a:gd name="connsiteX0" fmla="*/ 0 w 947706"/>
+                <a:gd name="connsiteY0" fmla="*/ 0 h 776366"/>
+                <a:gd name="connsiteX1" fmla="*/ 818309 w 947706"/>
+                <a:gd name="connsiteY1" fmla="*/ 0 h 776366"/>
+                <a:gd name="connsiteX2" fmla="*/ 947706 w 947706"/>
+                <a:gd name="connsiteY2" fmla="*/ 129397 h 776366"/>
+                <a:gd name="connsiteX3" fmla="*/ 947706 w 947706"/>
+                <a:gd name="connsiteY3" fmla="*/ 776366 h 776366"/>
+                <a:gd name="connsiteX4" fmla="*/ 0 w 947706"/>
+                <a:gd name="connsiteY4" fmla="*/ 776366 h 776366"/>
+                <a:gd name="connsiteX5" fmla="*/ 0 w 947706"/>
+                <a:gd name="connsiteY5" fmla="*/ 0 h 776366"/>
+                <a:gd name="connsiteX0" fmla="*/ 0 w 947706"/>
+                <a:gd name="connsiteY0" fmla="*/ 0 h 776366"/>
+                <a:gd name="connsiteX1" fmla="*/ 818309 w 947706"/>
+                <a:gd name="connsiteY1" fmla="*/ 0 h 776366"/>
+                <a:gd name="connsiteX2" fmla="*/ 947706 w 947706"/>
+                <a:gd name="connsiteY2" fmla="*/ 129397 h 776366"/>
+                <a:gd name="connsiteX3" fmla="*/ 924846 w 947706"/>
+                <a:gd name="connsiteY3" fmla="*/ 776366 h 776366"/>
+                <a:gd name="connsiteX4" fmla="*/ 0 w 947706"/>
+                <a:gd name="connsiteY4" fmla="*/ 776366 h 776366"/>
+                <a:gd name="connsiteX5" fmla="*/ 0 w 947706"/>
+                <a:gd name="connsiteY5" fmla="*/ 0 h 776366"/>
+                <a:gd name="connsiteX0" fmla="*/ 0 w 947706"/>
+                <a:gd name="connsiteY0" fmla="*/ 0 h 776366"/>
+                <a:gd name="connsiteX1" fmla="*/ 818309 w 947706"/>
+                <a:gd name="connsiteY1" fmla="*/ 0 h 776366"/>
+                <a:gd name="connsiteX2" fmla="*/ 947706 w 947706"/>
+                <a:gd name="connsiteY2" fmla="*/ 129397 h 776366"/>
+                <a:gd name="connsiteX3" fmla="*/ 901986 w 947706"/>
+                <a:gd name="connsiteY3" fmla="*/ 768746 h 776366"/>
+                <a:gd name="connsiteX4" fmla="*/ 0 w 947706"/>
+                <a:gd name="connsiteY4" fmla="*/ 776366 h 776366"/>
+                <a:gd name="connsiteX5" fmla="*/ 0 w 947706"/>
+                <a:gd name="connsiteY5" fmla="*/ 0 h 776366"/>
+                <a:gd name="connsiteX0" fmla="*/ 0 w 947706"/>
+                <a:gd name="connsiteY0" fmla="*/ 0 h 776366"/>
+                <a:gd name="connsiteX1" fmla="*/ 843709 w 947706"/>
+                <a:gd name="connsiteY1" fmla="*/ 0 h 776366"/>
+                <a:gd name="connsiteX2" fmla="*/ 947706 w 947706"/>
+                <a:gd name="connsiteY2" fmla="*/ 129397 h 776366"/>
+                <a:gd name="connsiteX3" fmla="*/ 901986 w 947706"/>
+                <a:gd name="connsiteY3" fmla="*/ 768746 h 776366"/>
+                <a:gd name="connsiteX4" fmla="*/ 0 w 947706"/>
+                <a:gd name="connsiteY4" fmla="*/ 776366 h 776366"/>
+                <a:gd name="connsiteX5" fmla="*/ 0 w 947706"/>
+                <a:gd name="connsiteY5" fmla="*/ 0 h 776366"/>
+                <a:gd name="connsiteX0" fmla="*/ 0 w 947706"/>
+                <a:gd name="connsiteY0" fmla="*/ 0 h 776366"/>
+                <a:gd name="connsiteX1" fmla="*/ 843709 w 947706"/>
+                <a:gd name="connsiteY1" fmla="*/ 0 h 776366"/>
+                <a:gd name="connsiteX2" fmla="*/ 947706 w 947706"/>
+                <a:gd name="connsiteY2" fmla="*/ 116697 h 776366"/>
+                <a:gd name="connsiteX3" fmla="*/ 901986 w 947706"/>
+                <a:gd name="connsiteY3" fmla="*/ 768746 h 776366"/>
+                <a:gd name="connsiteX4" fmla="*/ 0 w 947706"/>
+                <a:gd name="connsiteY4" fmla="*/ 776366 h 776366"/>
+                <a:gd name="connsiteX5" fmla="*/ 0 w 947706"/>
+                <a:gd name="connsiteY5" fmla="*/ 0 h 776366"/>
+                <a:gd name="connsiteX0" fmla="*/ 0 w 947706"/>
+                <a:gd name="connsiteY0" fmla="*/ 0 h 776366"/>
+                <a:gd name="connsiteX1" fmla="*/ 843709 w 947706"/>
+                <a:gd name="connsiteY1" fmla="*/ 0 h 776366"/>
+                <a:gd name="connsiteX2" fmla="*/ 947706 w 947706"/>
+                <a:gd name="connsiteY2" fmla="*/ 116697 h 776366"/>
+                <a:gd name="connsiteX3" fmla="*/ 940086 w 947706"/>
+                <a:gd name="connsiteY3" fmla="*/ 743346 h 776366"/>
+                <a:gd name="connsiteX4" fmla="*/ 0 w 947706"/>
+                <a:gd name="connsiteY4" fmla="*/ 776366 h 776366"/>
+                <a:gd name="connsiteX5" fmla="*/ 0 w 947706"/>
+                <a:gd name="connsiteY5" fmla="*/ 0 h 776366"/>
+                <a:gd name="connsiteX0" fmla="*/ 0 w 947706"/>
+                <a:gd name="connsiteY0" fmla="*/ 0 h 790909"/>
+                <a:gd name="connsiteX1" fmla="*/ 843709 w 947706"/>
+                <a:gd name="connsiteY1" fmla="*/ 0 h 790909"/>
+                <a:gd name="connsiteX2" fmla="*/ 947706 w 947706"/>
+                <a:gd name="connsiteY2" fmla="*/ 116697 h 790909"/>
+                <a:gd name="connsiteX3" fmla="*/ 921036 w 947706"/>
+                <a:gd name="connsiteY3" fmla="*/ 790909 h 790909"/>
+                <a:gd name="connsiteX4" fmla="*/ 0 w 947706"/>
+                <a:gd name="connsiteY4" fmla="*/ 776366 h 790909"/>
+                <a:gd name="connsiteX5" fmla="*/ 0 w 947706"/>
+                <a:gd name="connsiteY5" fmla="*/ 0 h 790909"/>
+                <a:gd name="connsiteX0" fmla="*/ 0 w 947706"/>
+                <a:gd name="connsiteY0" fmla="*/ 0 h 804498"/>
+                <a:gd name="connsiteX1" fmla="*/ 843709 w 947706"/>
+                <a:gd name="connsiteY1" fmla="*/ 0 h 804498"/>
+                <a:gd name="connsiteX2" fmla="*/ 947706 w 947706"/>
+                <a:gd name="connsiteY2" fmla="*/ 116697 h 804498"/>
+                <a:gd name="connsiteX3" fmla="*/ 946436 w 947706"/>
+                <a:gd name="connsiteY3" fmla="*/ 804498 h 804498"/>
+                <a:gd name="connsiteX4" fmla="*/ 0 w 947706"/>
+                <a:gd name="connsiteY4" fmla="*/ 776366 h 804498"/>
+                <a:gd name="connsiteX5" fmla="*/ 0 w 947706"/>
+                <a:gd name="connsiteY5" fmla="*/ 0 h 804498"/>
+                <a:gd name="connsiteX0" fmla="*/ 0 w 947706"/>
+                <a:gd name="connsiteY0" fmla="*/ 0 h 804498"/>
+                <a:gd name="connsiteX1" fmla="*/ 843709 w 947706"/>
+                <a:gd name="connsiteY1" fmla="*/ 0 h 804498"/>
+                <a:gd name="connsiteX2" fmla="*/ 947706 w 947706"/>
+                <a:gd name="connsiteY2" fmla="*/ 116697 h 804498"/>
+                <a:gd name="connsiteX3" fmla="*/ 946436 w 947706"/>
+                <a:gd name="connsiteY3" fmla="*/ 804498 h 804498"/>
+                <a:gd name="connsiteX4" fmla="*/ 0 w 947706"/>
+                <a:gd name="connsiteY4" fmla="*/ 803545 h 804498"/>
+                <a:gd name="connsiteX5" fmla="*/ 0 w 947706"/>
+                <a:gd name="connsiteY5" fmla="*/ 0 h 804498"/>
+              </a:gdLst>
+              <a:ahLst/>
+              <a:cxnLst>
+                <a:cxn ang="0">
+                  <a:pos x="connsiteX0" y="connsiteY0"/>
+                </a:cxn>
+                <a:cxn ang="0">
+                  <a:pos x="connsiteX1" y="connsiteY1"/>
+                </a:cxn>
+                <a:cxn ang="0">
+                  <a:pos x="connsiteX2" y="connsiteY2"/>
+                </a:cxn>
+                <a:cxn ang="0">
+                  <a:pos x="connsiteX3" y="connsiteY3"/>
+                </a:cxn>
+                <a:cxn ang="0">
+                  <a:pos x="connsiteX4" y="connsiteY4"/>
+                </a:cxn>
+                <a:cxn ang="0">
+                  <a:pos x="connsiteX5" y="connsiteY5"/>
+                </a:cxn>
+              </a:cxnLst>
+              <a:rect l="l" t="t" r="r" b="b"/>
+              <a:pathLst>
+                <a:path w="947706" h="804498">
+                  <a:moveTo>
+                    <a:pt x="0" y="0"/>
+                  </a:moveTo>
+                  <a:lnTo>
+                    <a:pt x="843709" y="0"/>
+                  </a:lnTo>
+                  <a:cubicBezTo>
+                    <a:pt x="915173" y="0"/>
+                    <a:pt x="947706" y="45233"/>
+                    <a:pt x="947706" y="116697"/>
+                  </a:cubicBezTo>
+                  <a:cubicBezTo>
+                    <a:pt x="947283" y="345964"/>
+                    <a:pt x="946859" y="575231"/>
+                    <a:pt x="946436" y="804498"/>
+                  </a:cubicBezTo>
+                  <a:lnTo>
+                    <a:pt x="0" y="803545"/>
+                  </a:lnTo>
+                  <a:lnTo>
+                    <a:pt x="0" y="0"/>
+                  </a:lnTo>
+                  <a:close/>
+                </a:path>
+              </a:pathLst>
+            </a:custGeom>
+            <a:ln>
+              <a:noFill/>
+            </a:ln>
+          </p:spPr>
+          <p:style>
+            <a:lnRef idx="2">
+              <a:schemeClr val="accent1">
+                <a:shade val="50000"/>
+              </a:schemeClr>
+            </a:lnRef>
+            <a:fillRef idx="1">
+              <a:schemeClr val="accent1"/>
+            </a:fillRef>
+            <a:effectRef idx="0">
+              <a:schemeClr val="accent1"/>
+            </a:effectRef>
+            <a:fontRef idx="minor">
+              <a:schemeClr val="lt1"/>
+            </a:fontRef>
+          </p:style>
+          <p:txBody>
+            <a:bodyPr rtlCol="0" anchor="ctr"/>
+            <a:lstStyle/>
+            <a:p>
+              <a:pPr algn="ctr"/>
+              <a:endParaRPr lang="es-CO" dirty="0"/>
+            </a:p>
+          </p:txBody>
+        </p:sp>
+        <p:sp>
+          <p:nvSpPr>
+            <p:cNvPr id="8" name="CuadroTexto 7">
+              <a:extLst>
+                <a:ext uri="{FF2B5EF4-FFF2-40B4-BE49-F238E27FC236}">
+                  <a16:creationId xmlns:a16="http://schemas.microsoft.com/office/drawing/2014/main" id="{1ED15928-E36F-42B9-8C83-2BD48D6C9B89}"/>
+                </a:ext>
+              </a:extLst>
+            </p:cNvPr>
+            <p:cNvSpPr txBox="1"/>
+            <p:nvPr/>
+          </p:nvSpPr>
+          <p:spPr>
+            <a:xfrm>
+              <a:off x="1854634" y="1896152"/>
+              <a:ext cx="1739223" cy="739058"/>
+            </a:xfrm>
+            <a:prstGeom prst="rect">
+              <a:avLst/>
+            </a:prstGeom>
+            <a:noFill/>
+            <a:ln>
+              <a:solidFill>
+                <a:srgbClr val="AD198D"/>
+              </a:solidFill>
+            </a:ln>
+          </p:spPr>
+          <p:txBody>
+            <a:bodyPr wrap="square" rtlCol="0" anchor="ctr">
+              <a:noAutofit/>
+            </a:bodyPr>
+            <a:lstStyle/>
+            <a:p>
+              <a:r>
+                <a:rPr lang="es-ES" dirty="0">
+                  <a:solidFill>
+                    <a:schemeClr val="accent1">
+                      <a:lumMod val="75000"/>
+                    </a:schemeClr>
+                  </a:solidFill>
+                </a:rPr>
+                <a:t>Ambientes</a:t>
+              </a:r>
+            </a:p>
+          </p:txBody>
+        </p:sp>
+        <p:sp>
+          <p:nvSpPr>
+            <p:cNvPr id="9" name="CuadroTexto 8">
+              <a:extLst>
+                <a:ext uri="{FF2B5EF4-FFF2-40B4-BE49-F238E27FC236}">
+                  <a16:creationId xmlns:a16="http://schemas.microsoft.com/office/drawing/2014/main" id="{55A46C92-D89F-42B7-B8DC-1721E02E2B38}"/>
+                </a:ext>
+              </a:extLst>
+            </p:cNvPr>
+            <p:cNvSpPr txBox="1"/>
+            <p:nvPr/>
+          </p:nvSpPr>
+          <p:spPr>
+            <a:xfrm>
+              <a:off x="923706" y="1896151"/>
+              <a:ext cx="947705" cy="751856"/>
+            </a:xfrm>
+            <a:prstGeom prst="rect">
+              <a:avLst/>
+            </a:prstGeom>
+            <a:noFill/>
+          </p:spPr>
+          <p:txBody>
+            <a:bodyPr wrap="none" rtlCol="0" anchor="ctr">
+              <a:noAutofit/>
+            </a:bodyPr>
+            <a:lstStyle/>
+            <a:p>
+              <a:pPr algn="ctr"/>
+              <a:r>
+                <a:rPr lang="es-CO" sz="2800" b="1" dirty="0">
+                  <a:solidFill>
+                    <a:schemeClr val="bg1"/>
+                  </a:solidFill>
+                  <a:latin typeface="Arial" panose="020B0604020202020204" pitchFamily="34" charset="0"/>
+                  <a:cs typeface="Arial" panose="020B0604020202020204" pitchFamily="34" charset="0"/>
+                </a:rPr>
+                <a:t>04</a:t>
+              </a:r>
+              <a:endParaRPr lang="es-CO" b="1" dirty="0">
+                <a:solidFill>
+                  <a:schemeClr val="bg1"/>
+                </a:solidFill>
+                <a:latin typeface="Arial" panose="020B0604020202020204" pitchFamily="34" charset="0"/>
+                <a:cs typeface="Arial" panose="020B0604020202020204" pitchFamily="34" charset="0"/>
+              </a:endParaRPr>
+            </a:p>
+          </p:txBody>
+        </p:sp>
+      </p:grpSp>
+    </p:spTree>
+    <p:extLst>
+      <p:ext uri="{BB962C8B-B14F-4D97-AF65-F5344CB8AC3E}">
+        <p14:creationId xmlns:p14="http://schemas.microsoft.com/office/powerpoint/2010/main" val="3312108265"/>
+      </p:ext>
+    </p:extLst>
+  </p:cSld>
+  <p:clrMapOvr>
+    <a:masterClrMapping/>
+  </p:clrMapOvr>
+</p:sld>
+</file>
+
+<file path=ppt/slides/slide16.xml><?xml version="1.0" encoding="utf-8"?>
+<p:sld xmlns:a="http://schemas.openxmlformats.org/drawingml/2006/main" xmlns:r="http://schemas.openxmlformats.org/officeDocument/2006/relationships" xmlns:p="http://schemas.openxmlformats.org/presentationml/2006/main">
+  <p:cSld>
+    <p:spTree>
+      <p:nvGrpSpPr>
+        <p:cNvPr id="1" name=""/>
+        <p:cNvGrpSpPr/>
+        <p:nvPr/>
+      </p:nvGrpSpPr>
+      <p:grpSpPr>
+        <a:xfrm>
+          <a:off x="0" y="0"/>
+          <a:ext cx="0" cy="0"/>
+          <a:chOff x="0" y="0"/>
+          <a:chExt cx="0" cy="0"/>
+        </a:xfrm>
+      </p:grpSpPr>
+      <p:sp>
+        <p:nvSpPr>
+          <p:cNvPr id="4" name="Título 3">
+            <a:extLst>
+              <a:ext uri="{FF2B5EF4-FFF2-40B4-BE49-F238E27FC236}">
+                <a16:creationId xmlns:a16="http://schemas.microsoft.com/office/drawing/2014/main" id="{6C82505A-C741-4787-816A-AD4CE9F18845}"/>
+              </a:ext>
+            </a:extLst>
+          </p:cNvPr>
+          <p:cNvSpPr>
+            <a:spLocks noGrp="1"/>
+          </p:cNvSpPr>
+          <p:nvPr>
+            <p:ph type="title"/>
+          </p:nvPr>
+        </p:nvSpPr>
+        <p:spPr>
+          <a:xfrm>
+            <a:off x="645952" y="726816"/>
+            <a:ext cx="9445616" cy="560997"/>
+          </a:xfrm>
+        </p:spPr>
+        <p:txBody>
+          <a:bodyPr>
+            <a:normAutofit fontScale="90000"/>
+          </a:bodyPr>
+          <a:lstStyle/>
+          <a:p>
+            <a:r>
+              <a:rPr lang="es-ES" b="1" dirty="0">
+                <a:solidFill>
+                  <a:srgbClr val="AD198D"/>
+                </a:solidFill>
+              </a:rPr>
+              <a:t>En la </a:t>
+            </a:r>
+            <a:r>
+              <a:rPr lang="es-ES" b="1" dirty="0" err="1">
+                <a:solidFill>
+                  <a:srgbClr val="AD198D"/>
+                </a:solidFill>
+              </a:rPr>
+              <a:t>Inception</a:t>
+            </a:r>
+            <a:endParaRPr lang="es-CO" b="1" dirty="0">
+              <a:solidFill>
+                <a:schemeClr val="accent1">
+                  <a:lumMod val="75000"/>
+                </a:schemeClr>
+              </a:solidFill>
+            </a:endParaRPr>
+          </a:p>
+        </p:txBody>
+      </p:sp>
+      <p:sp>
+        <p:nvSpPr>
+          <p:cNvPr id="6" name="CuadroTexto 5">
+            <a:extLst>
+              <a:ext uri="{FF2B5EF4-FFF2-40B4-BE49-F238E27FC236}">
+                <a16:creationId xmlns:a16="http://schemas.microsoft.com/office/drawing/2014/main" id="{D8711CCA-9202-4152-835A-EBF1A3278DB1}"/>
+              </a:ext>
+            </a:extLst>
+          </p:cNvPr>
+          <p:cNvSpPr txBox="1"/>
+          <p:nvPr/>
+        </p:nvSpPr>
+        <p:spPr>
+          <a:xfrm>
+            <a:off x="758331" y="5999416"/>
+            <a:ext cx="9446002" cy="646331"/>
+          </a:xfrm>
+          <a:prstGeom prst="rect">
+            <a:avLst/>
+          </a:prstGeom>
+          <a:noFill/>
+        </p:spPr>
+        <p:txBody>
+          <a:bodyPr wrap="square" rtlCol="0">
+            <a:spAutoFit/>
+          </a:bodyPr>
+          <a:lstStyle/>
+          <a:p>
+            <a:pPr lvl="1"/>
+            <a:r>
+              <a:rPr lang="es-ES" dirty="0" err="1">
+                <a:solidFill>
+                  <a:schemeClr val="accent1">
+                    <a:lumMod val="75000"/>
+                  </a:schemeClr>
+                </a:solidFill>
+              </a:rPr>
+              <a:t>xxxxxxxxx</a:t>
+            </a:r>
+            <a:endParaRPr lang="es-ES" dirty="0">
+              <a:solidFill>
+                <a:schemeClr val="accent1">
+                  <a:lumMod val="75000"/>
+                </a:schemeClr>
+              </a:solidFill>
+            </a:endParaRPr>
+          </a:p>
+          <a:p>
+            <a:pPr marL="800100" lvl="1" indent="-342900">
+              <a:buAutoNum type="arabicPeriod"/>
+            </a:pPr>
+            <a:endParaRPr lang="es-ES" dirty="0">
+              <a:solidFill>
+                <a:schemeClr val="accent1">
+                  <a:lumMod val="75000"/>
+                </a:schemeClr>
+              </a:solidFill>
+            </a:endParaRPr>
+          </a:p>
+        </p:txBody>
+      </p:sp>
+      <p:cxnSp>
+        <p:nvCxnSpPr>
+          <p:cNvPr id="3" name="Conector recto 2">
+            <a:extLst>
+              <a:ext uri="{FF2B5EF4-FFF2-40B4-BE49-F238E27FC236}">
+                <a16:creationId xmlns:a16="http://schemas.microsoft.com/office/drawing/2014/main" id="{27CE9D79-97AE-41A9-BC40-612A619BFC26}"/>
+              </a:ext>
+            </a:extLst>
+          </p:cNvPr>
+          <p:cNvCxnSpPr/>
+          <p:nvPr/>
+        </p:nvCxnSpPr>
+        <p:spPr>
+          <a:xfrm>
+            <a:off x="645952" y="1375794"/>
+            <a:ext cx="10192624" cy="0"/>
+          </a:xfrm>
+          <a:prstGeom prst="line">
+            <a:avLst/>
+          </a:prstGeom>
+          <a:ln w="28575">
+            <a:solidFill>
+              <a:srgbClr val="7030A0"/>
+            </a:solidFill>
+          </a:ln>
+        </p:spPr>
+        <p:style>
+          <a:lnRef idx="1">
+            <a:schemeClr val="accent1"/>
+          </a:lnRef>
+          <a:fillRef idx="0">
+            <a:schemeClr val="accent1"/>
+          </a:fillRef>
+          <a:effectRef idx="0">
+            <a:schemeClr val="accent1"/>
+          </a:effectRef>
+          <a:fontRef idx="minor">
+            <a:schemeClr val="tx1"/>
+          </a:fontRef>
+        </p:style>
+      </p:cxnSp>
+      <p:grpSp>
+        <p:nvGrpSpPr>
+          <p:cNvPr id="5" name="Grupo 4">
+            <a:extLst>
+              <a:ext uri="{FF2B5EF4-FFF2-40B4-BE49-F238E27FC236}">
+                <a16:creationId xmlns:a16="http://schemas.microsoft.com/office/drawing/2014/main" id="{266E1E50-0728-4303-9C87-1AECB1A24B27}"/>
+              </a:ext>
+            </a:extLst>
+          </p:cNvPr>
+          <p:cNvGrpSpPr/>
+          <p:nvPr/>
+        </p:nvGrpSpPr>
+        <p:grpSpPr>
+          <a:xfrm>
+            <a:off x="506040" y="1533574"/>
+            <a:ext cx="2813544" cy="764655"/>
+            <a:chOff x="923706" y="1883352"/>
+            <a:chExt cx="2670151" cy="764655"/>
+          </a:xfrm>
+        </p:grpSpPr>
+        <p:sp>
+          <p:nvSpPr>
+            <p:cNvPr id="7" name="Redondear rectángulo de esquina sencilla 4">
+              <a:extLst>
+                <a:ext uri="{FF2B5EF4-FFF2-40B4-BE49-F238E27FC236}">
+                  <a16:creationId xmlns:a16="http://schemas.microsoft.com/office/drawing/2014/main" id="{5159601C-554E-42FD-B1A4-02F607B58991}"/>
+                </a:ext>
+              </a:extLst>
+            </p:cNvPr>
+            <p:cNvSpPr/>
+            <p:nvPr/>
+          </p:nvSpPr>
+          <p:spPr>
+            <a:xfrm rot="10800000">
+              <a:off x="923706" y="1883352"/>
+              <a:ext cx="947706" cy="751857"/>
+            </a:xfrm>
+            <a:custGeom>
+              <a:avLst/>
+              <a:gdLst>
+                <a:gd name="connsiteX0" fmla="*/ 0 w 947706"/>
+                <a:gd name="connsiteY0" fmla="*/ 0 h 776366"/>
+                <a:gd name="connsiteX1" fmla="*/ 818309 w 947706"/>
+                <a:gd name="connsiteY1" fmla="*/ 0 h 776366"/>
+                <a:gd name="connsiteX2" fmla="*/ 947706 w 947706"/>
+                <a:gd name="connsiteY2" fmla="*/ 129397 h 776366"/>
+                <a:gd name="connsiteX3" fmla="*/ 947706 w 947706"/>
+                <a:gd name="connsiteY3" fmla="*/ 776366 h 776366"/>
+                <a:gd name="connsiteX4" fmla="*/ 0 w 947706"/>
+                <a:gd name="connsiteY4" fmla="*/ 776366 h 776366"/>
+                <a:gd name="connsiteX5" fmla="*/ 0 w 947706"/>
+                <a:gd name="connsiteY5" fmla="*/ 0 h 776366"/>
+                <a:gd name="connsiteX0" fmla="*/ 0 w 947706"/>
+                <a:gd name="connsiteY0" fmla="*/ 0 h 776366"/>
+                <a:gd name="connsiteX1" fmla="*/ 818309 w 947706"/>
+                <a:gd name="connsiteY1" fmla="*/ 0 h 776366"/>
+                <a:gd name="connsiteX2" fmla="*/ 947706 w 947706"/>
+                <a:gd name="connsiteY2" fmla="*/ 129397 h 776366"/>
+                <a:gd name="connsiteX3" fmla="*/ 924846 w 947706"/>
+                <a:gd name="connsiteY3" fmla="*/ 776366 h 776366"/>
+                <a:gd name="connsiteX4" fmla="*/ 0 w 947706"/>
+                <a:gd name="connsiteY4" fmla="*/ 776366 h 776366"/>
+                <a:gd name="connsiteX5" fmla="*/ 0 w 947706"/>
+                <a:gd name="connsiteY5" fmla="*/ 0 h 776366"/>
+                <a:gd name="connsiteX0" fmla="*/ 0 w 947706"/>
+                <a:gd name="connsiteY0" fmla="*/ 0 h 776366"/>
+                <a:gd name="connsiteX1" fmla="*/ 818309 w 947706"/>
+                <a:gd name="connsiteY1" fmla="*/ 0 h 776366"/>
+                <a:gd name="connsiteX2" fmla="*/ 947706 w 947706"/>
+                <a:gd name="connsiteY2" fmla="*/ 129397 h 776366"/>
+                <a:gd name="connsiteX3" fmla="*/ 901986 w 947706"/>
+                <a:gd name="connsiteY3" fmla="*/ 768746 h 776366"/>
+                <a:gd name="connsiteX4" fmla="*/ 0 w 947706"/>
+                <a:gd name="connsiteY4" fmla="*/ 776366 h 776366"/>
+                <a:gd name="connsiteX5" fmla="*/ 0 w 947706"/>
+                <a:gd name="connsiteY5" fmla="*/ 0 h 776366"/>
+                <a:gd name="connsiteX0" fmla="*/ 0 w 947706"/>
+                <a:gd name="connsiteY0" fmla="*/ 0 h 776366"/>
+                <a:gd name="connsiteX1" fmla="*/ 843709 w 947706"/>
+                <a:gd name="connsiteY1" fmla="*/ 0 h 776366"/>
+                <a:gd name="connsiteX2" fmla="*/ 947706 w 947706"/>
+                <a:gd name="connsiteY2" fmla="*/ 129397 h 776366"/>
+                <a:gd name="connsiteX3" fmla="*/ 901986 w 947706"/>
+                <a:gd name="connsiteY3" fmla="*/ 768746 h 776366"/>
+                <a:gd name="connsiteX4" fmla="*/ 0 w 947706"/>
+                <a:gd name="connsiteY4" fmla="*/ 776366 h 776366"/>
+                <a:gd name="connsiteX5" fmla="*/ 0 w 947706"/>
+                <a:gd name="connsiteY5" fmla="*/ 0 h 776366"/>
+                <a:gd name="connsiteX0" fmla="*/ 0 w 947706"/>
+                <a:gd name="connsiteY0" fmla="*/ 0 h 776366"/>
+                <a:gd name="connsiteX1" fmla="*/ 843709 w 947706"/>
+                <a:gd name="connsiteY1" fmla="*/ 0 h 776366"/>
+                <a:gd name="connsiteX2" fmla="*/ 947706 w 947706"/>
+                <a:gd name="connsiteY2" fmla="*/ 116697 h 776366"/>
+                <a:gd name="connsiteX3" fmla="*/ 901986 w 947706"/>
+                <a:gd name="connsiteY3" fmla="*/ 768746 h 776366"/>
+                <a:gd name="connsiteX4" fmla="*/ 0 w 947706"/>
+                <a:gd name="connsiteY4" fmla="*/ 776366 h 776366"/>
+                <a:gd name="connsiteX5" fmla="*/ 0 w 947706"/>
+                <a:gd name="connsiteY5" fmla="*/ 0 h 776366"/>
+                <a:gd name="connsiteX0" fmla="*/ 0 w 947706"/>
+                <a:gd name="connsiteY0" fmla="*/ 0 h 776366"/>
+                <a:gd name="connsiteX1" fmla="*/ 843709 w 947706"/>
+                <a:gd name="connsiteY1" fmla="*/ 0 h 776366"/>
+                <a:gd name="connsiteX2" fmla="*/ 947706 w 947706"/>
+                <a:gd name="connsiteY2" fmla="*/ 116697 h 776366"/>
+                <a:gd name="connsiteX3" fmla="*/ 940086 w 947706"/>
+                <a:gd name="connsiteY3" fmla="*/ 743346 h 776366"/>
+                <a:gd name="connsiteX4" fmla="*/ 0 w 947706"/>
+                <a:gd name="connsiteY4" fmla="*/ 776366 h 776366"/>
+                <a:gd name="connsiteX5" fmla="*/ 0 w 947706"/>
+                <a:gd name="connsiteY5" fmla="*/ 0 h 776366"/>
+                <a:gd name="connsiteX0" fmla="*/ 0 w 947706"/>
+                <a:gd name="connsiteY0" fmla="*/ 0 h 790909"/>
+                <a:gd name="connsiteX1" fmla="*/ 843709 w 947706"/>
+                <a:gd name="connsiteY1" fmla="*/ 0 h 790909"/>
+                <a:gd name="connsiteX2" fmla="*/ 947706 w 947706"/>
+                <a:gd name="connsiteY2" fmla="*/ 116697 h 790909"/>
+                <a:gd name="connsiteX3" fmla="*/ 921036 w 947706"/>
+                <a:gd name="connsiteY3" fmla="*/ 790909 h 790909"/>
+                <a:gd name="connsiteX4" fmla="*/ 0 w 947706"/>
+                <a:gd name="connsiteY4" fmla="*/ 776366 h 790909"/>
+                <a:gd name="connsiteX5" fmla="*/ 0 w 947706"/>
+                <a:gd name="connsiteY5" fmla="*/ 0 h 790909"/>
+                <a:gd name="connsiteX0" fmla="*/ 0 w 947706"/>
+                <a:gd name="connsiteY0" fmla="*/ 0 h 804498"/>
+                <a:gd name="connsiteX1" fmla="*/ 843709 w 947706"/>
+                <a:gd name="connsiteY1" fmla="*/ 0 h 804498"/>
+                <a:gd name="connsiteX2" fmla="*/ 947706 w 947706"/>
+                <a:gd name="connsiteY2" fmla="*/ 116697 h 804498"/>
+                <a:gd name="connsiteX3" fmla="*/ 946436 w 947706"/>
+                <a:gd name="connsiteY3" fmla="*/ 804498 h 804498"/>
+                <a:gd name="connsiteX4" fmla="*/ 0 w 947706"/>
+                <a:gd name="connsiteY4" fmla="*/ 776366 h 804498"/>
+                <a:gd name="connsiteX5" fmla="*/ 0 w 947706"/>
+                <a:gd name="connsiteY5" fmla="*/ 0 h 804498"/>
+                <a:gd name="connsiteX0" fmla="*/ 0 w 947706"/>
+                <a:gd name="connsiteY0" fmla="*/ 0 h 804498"/>
+                <a:gd name="connsiteX1" fmla="*/ 843709 w 947706"/>
+                <a:gd name="connsiteY1" fmla="*/ 0 h 804498"/>
+                <a:gd name="connsiteX2" fmla="*/ 947706 w 947706"/>
+                <a:gd name="connsiteY2" fmla="*/ 116697 h 804498"/>
+                <a:gd name="connsiteX3" fmla="*/ 946436 w 947706"/>
+                <a:gd name="connsiteY3" fmla="*/ 804498 h 804498"/>
+                <a:gd name="connsiteX4" fmla="*/ 0 w 947706"/>
+                <a:gd name="connsiteY4" fmla="*/ 803545 h 804498"/>
+                <a:gd name="connsiteX5" fmla="*/ 0 w 947706"/>
+                <a:gd name="connsiteY5" fmla="*/ 0 h 804498"/>
+              </a:gdLst>
+              <a:ahLst/>
+              <a:cxnLst>
+                <a:cxn ang="0">
+                  <a:pos x="connsiteX0" y="connsiteY0"/>
+                </a:cxn>
+                <a:cxn ang="0">
+                  <a:pos x="connsiteX1" y="connsiteY1"/>
+                </a:cxn>
+                <a:cxn ang="0">
+                  <a:pos x="connsiteX2" y="connsiteY2"/>
+                </a:cxn>
+                <a:cxn ang="0">
+                  <a:pos x="connsiteX3" y="connsiteY3"/>
+                </a:cxn>
+                <a:cxn ang="0">
+                  <a:pos x="connsiteX4" y="connsiteY4"/>
+                </a:cxn>
+                <a:cxn ang="0">
+                  <a:pos x="connsiteX5" y="connsiteY5"/>
+                </a:cxn>
+              </a:cxnLst>
+              <a:rect l="l" t="t" r="r" b="b"/>
+              <a:pathLst>
+                <a:path w="947706" h="804498">
+                  <a:moveTo>
+                    <a:pt x="0" y="0"/>
+                  </a:moveTo>
+                  <a:lnTo>
+                    <a:pt x="843709" y="0"/>
+                  </a:lnTo>
+                  <a:cubicBezTo>
+                    <a:pt x="915173" y="0"/>
+                    <a:pt x="947706" y="45233"/>
+                    <a:pt x="947706" y="116697"/>
+                  </a:cubicBezTo>
+                  <a:cubicBezTo>
+                    <a:pt x="947283" y="345964"/>
+                    <a:pt x="946859" y="575231"/>
+                    <a:pt x="946436" y="804498"/>
+                  </a:cubicBezTo>
+                  <a:lnTo>
+                    <a:pt x="0" y="803545"/>
+                  </a:lnTo>
+                  <a:lnTo>
+                    <a:pt x="0" y="0"/>
+                  </a:lnTo>
+                  <a:close/>
+                </a:path>
+              </a:pathLst>
+            </a:custGeom>
+            <a:ln>
+              <a:noFill/>
+            </a:ln>
+          </p:spPr>
+          <p:style>
+            <a:lnRef idx="2">
+              <a:schemeClr val="accent1">
+                <a:shade val="50000"/>
+              </a:schemeClr>
+            </a:lnRef>
+            <a:fillRef idx="1">
+              <a:schemeClr val="accent1"/>
+            </a:fillRef>
+            <a:effectRef idx="0">
+              <a:schemeClr val="accent1"/>
+            </a:effectRef>
+            <a:fontRef idx="minor">
+              <a:schemeClr val="lt1"/>
+            </a:fontRef>
+          </p:style>
+          <p:txBody>
+            <a:bodyPr rtlCol="0" anchor="ctr"/>
+            <a:lstStyle/>
+            <a:p>
+              <a:pPr algn="ctr"/>
+              <a:endParaRPr lang="es-CO" dirty="0"/>
+            </a:p>
+          </p:txBody>
+        </p:sp>
+        <p:sp>
+          <p:nvSpPr>
+            <p:cNvPr id="8" name="CuadroTexto 7">
+              <a:extLst>
+                <a:ext uri="{FF2B5EF4-FFF2-40B4-BE49-F238E27FC236}">
+                  <a16:creationId xmlns:a16="http://schemas.microsoft.com/office/drawing/2014/main" id="{1ED15928-E36F-42B9-8C83-2BD48D6C9B89}"/>
+                </a:ext>
+              </a:extLst>
+            </p:cNvPr>
+            <p:cNvSpPr txBox="1"/>
+            <p:nvPr/>
+          </p:nvSpPr>
+          <p:spPr>
+            <a:xfrm>
+              <a:off x="1854634" y="1896152"/>
+              <a:ext cx="1739223" cy="739058"/>
+            </a:xfrm>
+            <a:prstGeom prst="rect">
+              <a:avLst/>
+            </a:prstGeom>
+            <a:noFill/>
+            <a:ln>
+              <a:solidFill>
+                <a:srgbClr val="AD198D"/>
+              </a:solidFill>
+            </a:ln>
+          </p:spPr>
+          <p:txBody>
+            <a:bodyPr wrap="square" rtlCol="0" anchor="ctr">
+              <a:noAutofit/>
+            </a:bodyPr>
+            <a:lstStyle/>
+            <a:p>
+              <a:r>
+                <a:rPr lang="es-ES" dirty="0">
+                  <a:solidFill>
+                    <a:schemeClr val="accent1">
+                      <a:lumMod val="75000"/>
+                    </a:schemeClr>
+                  </a:solidFill>
+                </a:rPr>
+                <a:t>Definir Acuerdos</a:t>
+              </a:r>
+            </a:p>
+          </p:txBody>
+        </p:sp>
+        <p:sp>
+          <p:nvSpPr>
+            <p:cNvPr id="9" name="CuadroTexto 8">
+              <a:extLst>
+                <a:ext uri="{FF2B5EF4-FFF2-40B4-BE49-F238E27FC236}">
+                  <a16:creationId xmlns:a16="http://schemas.microsoft.com/office/drawing/2014/main" id="{55A46C92-D89F-42B7-B8DC-1721E02E2B38}"/>
+                </a:ext>
+              </a:extLst>
+            </p:cNvPr>
+            <p:cNvSpPr txBox="1"/>
+            <p:nvPr/>
+          </p:nvSpPr>
+          <p:spPr>
+            <a:xfrm>
+              <a:off x="923706" y="1896151"/>
+              <a:ext cx="947705" cy="751856"/>
+            </a:xfrm>
+            <a:prstGeom prst="rect">
+              <a:avLst/>
+            </a:prstGeom>
+            <a:noFill/>
+          </p:spPr>
+          <p:txBody>
+            <a:bodyPr wrap="none" rtlCol="0" anchor="ctr">
+              <a:noAutofit/>
+            </a:bodyPr>
+            <a:lstStyle/>
+            <a:p>
+              <a:pPr algn="ctr"/>
+              <a:r>
+                <a:rPr lang="es-CO" sz="2800" b="1" dirty="0">
+                  <a:solidFill>
+                    <a:schemeClr val="bg1"/>
+                  </a:solidFill>
+                  <a:latin typeface="Arial" panose="020B0604020202020204" pitchFamily="34" charset="0"/>
+                  <a:cs typeface="Arial" panose="020B0604020202020204" pitchFamily="34" charset="0"/>
+                </a:rPr>
+                <a:t>04</a:t>
+              </a:r>
+              <a:endParaRPr lang="es-CO" b="1" dirty="0">
+                <a:solidFill>
+                  <a:schemeClr val="bg1"/>
+                </a:solidFill>
+                <a:latin typeface="Arial" panose="020B0604020202020204" pitchFamily="34" charset="0"/>
+                <a:cs typeface="Arial" panose="020B0604020202020204" pitchFamily="34" charset="0"/>
+              </a:endParaRPr>
+            </a:p>
+          </p:txBody>
+        </p:sp>
+      </p:grpSp>
+    </p:spTree>
+    <p:extLst>
+      <p:ext uri="{BB962C8B-B14F-4D97-AF65-F5344CB8AC3E}">
+        <p14:creationId xmlns:p14="http://schemas.microsoft.com/office/powerpoint/2010/main" val="760502666"/>
+      </p:ext>
+    </p:extLst>
+  </p:cSld>
+  <p:clrMapOvr>
+    <a:masterClrMapping/>
+  </p:clrMapOvr>
+</p:sld>
+</file>
+
+<file path=ppt/slides/slide17.xml><?xml version="1.0" encoding="utf-8"?>
+<p:sld xmlns:a="http://schemas.openxmlformats.org/drawingml/2006/main" xmlns:r="http://schemas.openxmlformats.org/officeDocument/2006/relationships" xmlns:p="http://schemas.openxmlformats.org/presentationml/2006/main">
+  <p:cSld>
+    <p:spTree>
+      <p:nvGrpSpPr>
+        <p:cNvPr id="1" name=""/>
+        <p:cNvGrpSpPr/>
+        <p:nvPr/>
+      </p:nvGrpSpPr>
+      <p:grpSpPr>
+        <a:xfrm>
+          <a:off x="0" y="0"/>
+          <a:ext cx="0" cy="0"/>
+          <a:chOff x="0" y="0"/>
+          <a:chExt cx="0" cy="0"/>
+        </a:xfrm>
+      </p:grpSpPr>
+      <p:sp>
+        <p:nvSpPr>
+          <p:cNvPr id="4" name="Título 3">
+            <a:extLst>
+              <a:ext uri="{FF2B5EF4-FFF2-40B4-BE49-F238E27FC236}">
+                <a16:creationId xmlns:a16="http://schemas.microsoft.com/office/drawing/2014/main" id="{6C82505A-C741-4787-816A-AD4CE9F18845}"/>
+              </a:ext>
+            </a:extLst>
+          </p:cNvPr>
+          <p:cNvSpPr>
+            <a:spLocks noGrp="1"/>
+          </p:cNvSpPr>
+          <p:nvPr>
+            <p:ph type="title"/>
+          </p:nvPr>
+        </p:nvSpPr>
+        <p:spPr>
+          <a:xfrm>
+            <a:off x="645952" y="726816"/>
+            <a:ext cx="9445616" cy="560997"/>
+          </a:xfrm>
+        </p:spPr>
+        <p:txBody>
+          <a:bodyPr>
+            <a:normAutofit fontScale="90000"/>
+          </a:bodyPr>
+          <a:lstStyle/>
+          <a:p>
+            <a:r>
+              <a:rPr lang="es-ES" b="1" dirty="0">
+                <a:solidFill>
+                  <a:srgbClr val="AD198D"/>
+                </a:solidFill>
+              </a:rPr>
+              <a:t>En la </a:t>
+            </a:r>
+            <a:r>
+              <a:rPr lang="es-ES" b="1" dirty="0" err="1">
+                <a:solidFill>
+                  <a:srgbClr val="AD198D"/>
+                </a:solidFill>
+              </a:rPr>
+              <a:t>Inception</a:t>
+            </a:r>
+            <a:endParaRPr lang="es-CO" b="1" dirty="0">
+              <a:solidFill>
+                <a:schemeClr val="accent1">
+                  <a:lumMod val="75000"/>
+                </a:schemeClr>
+              </a:solidFill>
+            </a:endParaRPr>
+          </a:p>
+        </p:txBody>
+      </p:sp>
+      <p:sp>
+        <p:nvSpPr>
+          <p:cNvPr id="6" name="CuadroTexto 5">
+            <a:extLst>
+              <a:ext uri="{FF2B5EF4-FFF2-40B4-BE49-F238E27FC236}">
+                <a16:creationId xmlns:a16="http://schemas.microsoft.com/office/drawing/2014/main" id="{D8711CCA-9202-4152-835A-EBF1A3278DB1}"/>
+              </a:ext>
+            </a:extLst>
+          </p:cNvPr>
+          <p:cNvSpPr txBox="1"/>
+          <p:nvPr/>
+        </p:nvSpPr>
+        <p:spPr>
+          <a:xfrm>
+            <a:off x="758331" y="5999416"/>
+            <a:ext cx="9446002" cy="646331"/>
+          </a:xfrm>
+          <a:prstGeom prst="rect">
+            <a:avLst/>
+          </a:prstGeom>
+          <a:noFill/>
+        </p:spPr>
+        <p:txBody>
+          <a:bodyPr wrap="square" rtlCol="0">
+            <a:spAutoFit/>
+          </a:bodyPr>
+          <a:lstStyle/>
+          <a:p>
+            <a:pPr lvl="1"/>
+            <a:r>
+              <a:rPr lang="es-ES" dirty="0" err="1">
+                <a:solidFill>
+                  <a:schemeClr val="accent1">
+                    <a:lumMod val="75000"/>
+                  </a:schemeClr>
+                </a:solidFill>
+              </a:rPr>
+              <a:t>xxxxxxxxx</a:t>
+            </a:r>
+            <a:endParaRPr lang="es-ES" dirty="0">
+              <a:solidFill>
+                <a:schemeClr val="accent1">
+                  <a:lumMod val="75000"/>
+                </a:schemeClr>
+              </a:solidFill>
+            </a:endParaRPr>
+          </a:p>
+          <a:p>
+            <a:pPr marL="800100" lvl="1" indent="-342900">
+              <a:buAutoNum type="arabicPeriod"/>
+            </a:pPr>
+            <a:endParaRPr lang="es-ES" dirty="0">
+              <a:solidFill>
+                <a:schemeClr val="accent1">
+                  <a:lumMod val="75000"/>
+                </a:schemeClr>
+              </a:solidFill>
+            </a:endParaRPr>
+          </a:p>
+        </p:txBody>
+      </p:sp>
+      <p:cxnSp>
+        <p:nvCxnSpPr>
+          <p:cNvPr id="3" name="Conector recto 2">
+            <a:extLst>
+              <a:ext uri="{FF2B5EF4-FFF2-40B4-BE49-F238E27FC236}">
+                <a16:creationId xmlns:a16="http://schemas.microsoft.com/office/drawing/2014/main" id="{27CE9D79-97AE-41A9-BC40-612A619BFC26}"/>
+              </a:ext>
+            </a:extLst>
+          </p:cNvPr>
+          <p:cNvCxnSpPr/>
+          <p:nvPr/>
+        </p:nvCxnSpPr>
+        <p:spPr>
+          <a:xfrm>
+            <a:off x="645952" y="1375794"/>
+            <a:ext cx="10192624" cy="0"/>
+          </a:xfrm>
+          <a:prstGeom prst="line">
+            <a:avLst/>
+          </a:prstGeom>
+          <a:ln w="28575">
+            <a:solidFill>
+              <a:srgbClr val="7030A0"/>
+            </a:solidFill>
+          </a:ln>
+        </p:spPr>
+        <p:style>
+          <a:lnRef idx="1">
+            <a:schemeClr val="accent1"/>
+          </a:lnRef>
+          <a:fillRef idx="0">
+            <a:schemeClr val="accent1"/>
+          </a:fillRef>
+          <a:effectRef idx="0">
+            <a:schemeClr val="accent1"/>
+          </a:effectRef>
+          <a:fontRef idx="minor">
+            <a:schemeClr val="tx1"/>
+          </a:fontRef>
+        </p:style>
+      </p:cxnSp>
+      <p:grpSp>
+        <p:nvGrpSpPr>
+          <p:cNvPr id="5" name="Grupo 4">
+            <a:extLst>
+              <a:ext uri="{FF2B5EF4-FFF2-40B4-BE49-F238E27FC236}">
+                <a16:creationId xmlns:a16="http://schemas.microsoft.com/office/drawing/2014/main" id="{266E1E50-0728-4303-9C87-1AECB1A24B27}"/>
+              </a:ext>
+            </a:extLst>
+          </p:cNvPr>
+          <p:cNvGrpSpPr/>
+          <p:nvPr/>
+        </p:nvGrpSpPr>
+        <p:grpSpPr>
+          <a:xfrm>
+            <a:off x="506040" y="1533574"/>
+            <a:ext cx="2813544" cy="764655"/>
+            <a:chOff x="923706" y="1883352"/>
+            <a:chExt cx="2670151" cy="764655"/>
+          </a:xfrm>
+        </p:grpSpPr>
+        <p:sp>
+          <p:nvSpPr>
+            <p:cNvPr id="7" name="Redondear rectángulo de esquina sencilla 4">
+              <a:extLst>
+                <a:ext uri="{FF2B5EF4-FFF2-40B4-BE49-F238E27FC236}">
+                  <a16:creationId xmlns:a16="http://schemas.microsoft.com/office/drawing/2014/main" id="{5159601C-554E-42FD-B1A4-02F607B58991}"/>
+                </a:ext>
+              </a:extLst>
+            </p:cNvPr>
+            <p:cNvSpPr/>
+            <p:nvPr/>
+          </p:nvSpPr>
+          <p:spPr>
+            <a:xfrm rot="10800000">
+              <a:off x="923706" y="1883352"/>
+              <a:ext cx="947706" cy="751857"/>
+            </a:xfrm>
+            <a:custGeom>
+              <a:avLst/>
+              <a:gdLst>
+                <a:gd name="connsiteX0" fmla="*/ 0 w 947706"/>
+                <a:gd name="connsiteY0" fmla="*/ 0 h 776366"/>
+                <a:gd name="connsiteX1" fmla="*/ 818309 w 947706"/>
+                <a:gd name="connsiteY1" fmla="*/ 0 h 776366"/>
+                <a:gd name="connsiteX2" fmla="*/ 947706 w 947706"/>
+                <a:gd name="connsiteY2" fmla="*/ 129397 h 776366"/>
+                <a:gd name="connsiteX3" fmla="*/ 947706 w 947706"/>
+                <a:gd name="connsiteY3" fmla="*/ 776366 h 776366"/>
+                <a:gd name="connsiteX4" fmla="*/ 0 w 947706"/>
+                <a:gd name="connsiteY4" fmla="*/ 776366 h 776366"/>
+                <a:gd name="connsiteX5" fmla="*/ 0 w 947706"/>
+                <a:gd name="connsiteY5" fmla="*/ 0 h 776366"/>
+                <a:gd name="connsiteX0" fmla="*/ 0 w 947706"/>
+                <a:gd name="connsiteY0" fmla="*/ 0 h 776366"/>
+                <a:gd name="connsiteX1" fmla="*/ 818309 w 947706"/>
+                <a:gd name="connsiteY1" fmla="*/ 0 h 776366"/>
+                <a:gd name="connsiteX2" fmla="*/ 947706 w 947706"/>
+                <a:gd name="connsiteY2" fmla="*/ 129397 h 776366"/>
+                <a:gd name="connsiteX3" fmla="*/ 924846 w 947706"/>
+                <a:gd name="connsiteY3" fmla="*/ 776366 h 776366"/>
+                <a:gd name="connsiteX4" fmla="*/ 0 w 947706"/>
+                <a:gd name="connsiteY4" fmla="*/ 776366 h 776366"/>
+                <a:gd name="connsiteX5" fmla="*/ 0 w 947706"/>
+                <a:gd name="connsiteY5" fmla="*/ 0 h 776366"/>
+                <a:gd name="connsiteX0" fmla="*/ 0 w 947706"/>
+                <a:gd name="connsiteY0" fmla="*/ 0 h 776366"/>
+                <a:gd name="connsiteX1" fmla="*/ 818309 w 947706"/>
+                <a:gd name="connsiteY1" fmla="*/ 0 h 776366"/>
+                <a:gd name="connsiteX2" fmla="*/ 947706 w 947706"/>
+                <a:gd name="connsiteY2" fmla="*/ 129397 h 776366"/>
+                <a:gd name="connsiteX3" fmla="*/ 901986 w 947706"/>
+                <a:gd name="connsiteY3" fmla="*/ 768746 h 776366"/>
+                <a:gd name="connsiteX4" fmla="*/ 0 w 947706"/>
+                <a:gd name="connsiteY4" fmla="*/ 776366 h 776366"/>
+                <a:gd name="connsiteX5" fmla="*/ 0 w 947706"/>
+                <a:gd name="connsiteY5" fmla="*/ 0 h 776366"/>
+                <a:gd name="connsiteX0" fmla="*/ 0 w 947706"/>
+                <a:gd name="connsiteY0" fmla="*/ 0 h 776366"/>
+                <a:gd name="connsiteX1" fmla="*/ 843709 w 947706"/>
+                <a:gd name="connsiteY1" fmla="*/ 0 h 776366"/>
+                <a:gd name="connsiteX2" fmla="*/ 947706 w 947706"/>
+                <a:gd name="connsiteY2" fmla="*/ 129397 h 776366"/>
+                <a:gd name="connsiteX3" fmla="*/ 901986 w 947706"/>
+                <a:gd name="connsiteY3" fmla="*/ 768746 h 776366"/>
+                <a:gd name="connsiteX4" fmla="*/ 0 w 947706"/>
+                <a:gd name="connsiteY4" fmla="*/ 776366 h 776366"/>
+                <a:gd name="connsiteX5" fmla="*/ 0 w 947706"/>
+                <a:gd name="connsiteY5" fmla="*/ 0 h 776366"/>
+                <a:gd name="connsiteX0" fmla="*/ 0 w 947706"/>
+                <a:gd name="connsiteY0" fmla="*/ 0 h 776366"/>
+                <a:gd name="connsiteX1" fmla="*/ 843709 w 947706"/>
+                <a:gd name="connsiteY1" fmla="*/ 0 h 776366"/>
+                <a:gd name="connsiteX2" fmla="*/ 947706 w 947706"/>
+                <a:gd name="connsiteY2" fmla="*/ 116697 h 776366"/>
+                <a:gd name="connsiteX3" fmla="*/ 901986 w 947706"/>
+                <a:gd name="connsiteY3" fmla="*/ 768746 h 776366"/>
+                <a:gd name="connsiteX4" fmla="*/ 0 w 947706"/>
+                <a:gd name="connsiteY4" fmla="*/ 776366 h 776366"/>
+                <a:gd name="connsiteX5" fmla="*/ 0 w 947706"/>
+                <a:gd name="connsiteY5" fmla="*/ 0 h 776366"/>
+                <a:gd name="connsiteX0" fmla="*/ 0 w 947706"/>
+                <a:gd name="connsiteY0" fmla="*/ 0 h 776366"/>
+                <a:gd name="connsiteX1" fmla="*/ 843709 w 947706"/>
+                <a:gd name="connsiteY1" fmla="*/ 0 h 776366"/>
+                <a:gd name="connsiteX2" fmla="*/ 947706 w 947706"/>
+                <a:gd name="connsiteY2" fmla="*/ 116697 h 776366"/>
+                <a:gd name="connsiteX3" fmla="*/ 940086 w 947706"/>
+                <a:gd name="connsiteY3" fmla="*/ 743346 h 776366"/>
+                <a:gd name="connsiteX4" fmla="*/ 0 w 947706"/>
+                <a:gd name="connsiteY4" fmla="*/ 776366 h 776366"/>
+                <a:gd name="connsiteX5" fmla="*/ 0 w 947706"/>
+                <a:gd name="connsiteY5" fmla="*/ 0 h 776366"/>
+                <a:gd name="connsiteX0" fmla="*/ 0 w 947706"/>
+                <a:gd name="connsiteY0" fmla="*/ 0 h 790909"/>
+                <a:gd name="connsiteX1" fmla="*/ 843709 w 947706"/>
+                <a:gd name="connsiteY1" fmla="*/ 0 h 790909"/>
+                <a:gd name="connsiteX2" fmla="*/ 947706 w 947706"/>
+                <a:gd name="connsiteY2" fmla="*/ 116697 h 790909"/>
+                <a:gd name="connsiteX3" fmla="*/ 921036 w 947706"/>
+                <a:gd name="connsiteY3" fmla="*/ 790909 h 790909"/>
+                <a:gd name="connsiteX4" fmla="*/ 0 w 947706"/>
+                <a:gd name="connsiteY4" fmla="*/ 776366 h 790909"/>
+                <a:gd name="connsiteX5" fmla="*/ 0 w 947706"/>
+                <a:gd name="connsiteY5" fmla="*/ 0 h 790909"/>
+                <a:gd name="connsiteX0" fmla="*/ 0 w 947706"/>
+                <a:gd name="connsiteY0" fmla="*/ 0 h 804498"/>
+                <a:gd name="connsiteX1" fmla="*/ 843709 w 947706"/>
+                <a:gd name="connsiteY1" fmla="*/ 0 h 804498"/>
+                <a:gd name="connsiteX2" fmla="*/ 947706 w 947706"/>
+                <a:gd name="connsiteY2" fmla="*/ 116697 h 804498"/>
+                <a:gd name="connsiteX3" fmla="*/ 946436 w 947706"/>
+                <a:gd name="connsiteY3" fmla="*/ 804498 h 804498"/>
+                <a:gd name="connsiteX4" fmla="*/ 0 w 947706"/>
+                <a:gd name="connsiteY4" fmla="*/ 776366 h 804498"/>
+                <a:gd name="connsiteX5" fmla="*/ 0 w 947706"/>
+                <a:gd name="connsiteY5" fmla="*/ 0 h 804498"/>
+                <a:gd name="connsiteX0" fmla="*/ 0 w 947706"/>
+                <a:gd name="connsiteY0" fmla="*/ 0 h 804498"/>
+                <a:gd name="connsiteX1" fmla="*/ 843709 w 947706"/>
+                <a:gd name="connsiteY1" fmla="*/ 0 h 804498"/>
+                <a:gd name="connsiteX2" fmla="*/ 947706 w 947706"/>
+                <a:gd name="connsiteY2" fmla="*/ 116697 h 804498"/>
+                <a:gd name="connsiteX3" fmla="*/ 946436 w 947706"/>
+                <a:gd name="connsiteY3" fmla="*/ 804498 h 804498"/>
+                <a:gd name="connsiteX4" fmla="*/ 0 w 947706"/>
+                <a:gd name="connsiteY4" fmla="*/ 803545 h 804498"/>
+                <a:gd name="connsiteX5" fmla="*/ 0 w 947706"/>
+                <a:gd name="connsiteY5" fmla="*/ 0 h 804498"/>
+              </a:gdLst>
+              <a:ahLst/>
+              <a:cxnLst>
+                <a:cxn ang="0">
+                  <a:pos x="connsiteX0" y="connsiteY0"/>
+                </a:cxn>
+                <a:cxn ang="0">
+                  <a:pos x="connsiteX1" y="connsiteY1"/>
+                </a:cxn>
+                <a:cxn ang="0">
+                  <a:pos x="connsiteX2" y="connsiteY2"/>
+                </a:cxn>
+                <a:cxn ang="0">
+                  <a:pos x="connsiteX3" y="connsiteY3"/>
+                </a:cxn>
+                <a:cxn ang="0">
+                  <a:pos x="connsiteX4" y="connsiteY4"/>
+                </a:cxn>
+                <a:cxn ang="0">
+                  <a:pos x="connsiteX5" y="connsiteY5"/>
+                </a:cxn>
+              </a:cxnLst>
+              <a:rect l="l" t="t" r="r" b="b"/>
+              <a:pathLst>
+                <a:path w="947706" h="804498">
+                  <a:moveTo>
+                    <a:pt x="0" y="0"/>
+                  </a:moveTo>
+                  <a:lnTo>
+                    <a:pt x="843709" y="0"/>
+                  </a:lnTo>
+                  <a:cubicBezTo>
+                    <a:pt x="915173" y="0"/>
+                    <a:pt x="947706" y="45233"/>
+                    <a:pt x="947706" y="116697"/>
+                  </a:cubicBezTo>
+                  <a:cubicBezTo>
+                    <a:pt x="947283" y="345964"/>
+                    <a:pt x="946859" y="575231"/>
+                    <a:pt x="946436" y="804498"/>
+                  </a:cubicBezTo>
+                  <a:lnTo>
+                    <a:pt x="0" y="803545"/>
+                  </a:lnTo>
+                  <a:lnTo>
+                    <a:pt x="0" y="0"/>
+                  </a:lnTo>
+                  <a:close/>
+                </a:path>
+              </a:pathLst>
+            </a:custGeom>
+            <a:ln>
+              <a:noFill/>
+            </a:ln>
+          </p:spPr>
+          <p:style>
+            <a:lnRef idx="2">
+              <a:schemeClr val="accent1">
+                <a:shade val="50000"/>
+              </a:schemeClr>
+            </a:lnRef>
+            <a:fillRef idx="1">
+              <a:schemeClr val="accent1"/>
+            </a:fillRef>
+            <a:effectRef idx="0">
+              <a:schemeClr val="accent1"/>
+            </a:effectRef>
+            <a:fontRef idx="minor">
+              <a:schemeClr val="lt1"/>
+            </a:fontRef>
+          </p:style>
+          <p:txBody>
+            <a:bodyPr rtlCol="0" anchor="ctr"/>
+            <a:lstStyle/>
+            <a:p>
+              <a:pPr algn="ctr"/>
+              <a:endParaRPr lang="es-CO" dirty="0"/>
+            </a:p>
+          </p:txBody>
+        </p:sp>
+        <p:sp>
+          <p:nvSpPr>
+            <p:cNvPr id="8" name="CuadroTexto 7">
+              <a:extLst>
+                <a:ext uri="{FF2B5EF4-FFF2-40B4-BE49-F238E27FC236}">
+                  <a16:creationId xmlns:a16="http://schemas.microsoft.com/office/drawing/2014/main" id="{1ED15928-E36F-42B9-8C83-2BD48D6C9B89}"/>
+                </a:ext>
+              </a:extLst>
+            </p:cNvPr>
+            <p:cNvSpPr txBox="1"/>
+            <p:nvPr/>
+          </p:nvSpPr>
+          <p:spPr>
+            <a:xfrm>
+              <a:off x="1854634" y="1896152"/>
+              <a:ext cx="1739223" cy="739058"/>
+            </a:xfrm>
+            <a:prstGeom prst="rect">
+              <a:avLst/>
+            </a:prstGeom>
+            <a:noFill/>
+            <a:ln>
+              <a:solidFill>
+                <a:srgbClr val="AD198D"/>
+              </a:solidFill>
+            </a:ln>
+          </p:spPr>
+          <p:txBody>
+            <a:bodyPr wrap="square" rtlCol="0" anchor="ctr">
+              <a:noAutofit/>
+            </a:bodyPr>
+            <a:lstStyle/>
+            <a:p>
+              <a:r>
+                <a:rPr lang="es-ES" dirty="0">
+                  <a:solidFill>
+                    <a:schemeClr val="accent1">
+                      <a:lumMod val="75000"/>
+                    </a:schemeClr>
+                  </a:solidFill>
+                </a:rPr>
+                <a:t>Experiencia Usuario</a:t>
+              </a:r>
+            </a:p>
+          </p:txBody>
+        </p:sp>
+        <p:sp>
+          <p:nvSpPr>
+            <p:cNvPr id="9" name="CuadroTexto 8">
+              <a:extLst>
+                <a:ext uri="{FF2B5EF4-FFF2-40B4-BE49-F238E27FC236}">
+                  <a16:creationId xmlns:a16="http://schemas.microsoft.com/office/drawing/2014/main" id="{55A46C92-D89F-42B7-B8DC-1721E02E2B38}"/>
+                </a:ext>
+              </a:extLst>
+            </p:cNvPr>
+            <p:cNvSpPr txBox="1"/>
+            <p:nvPr/>
+          </p:nvSpPr>
+          <p:spPr>
+            <a:xfrm>
+              <a:off x="923706" y="1896151"/>
+              <a:ext cx="947705" cy="751856"/>
+            </a:xfrm>
+            <a:prstGeom prst="rect">
+              <a:avLst/>
+            </a:prstGeom>
+            <a:noFill/>
+          </p:spPr>
+          <p:txBody>
+            <a:bodyPr wrap="none" rtlCol="0" anchor="ctr">
+              <a:noAutofit/>
+            </a:bodyPr>
+            <a:lstStyle/>
+            <a:p>
+              <a:pPr algn="ctr"/>
+              <a:r>
+                <a:rPr lang="es-CO" sz="2800" b="1" dirty="0">
+                  <a:solidFill>
+                    <a:schemeClr val="bg1"/>
+                  </a:solidFill>
+                  <a:latin typeface="Arial" panose="020B0604020202020204" pitchFamily="34" charset="0"/>
+                  <a:cs typeface="Arial" panose="020B0604020202020204" pitchFamily="34" charset="0"/>
+                </a:rPr>
+                <a:t>04</a:t>
+              </a:r>
+              <a:endParaRPr lang="es-CO" b="1" dirty="0">
+                <a:solidFill>
+                  <a:schemeClr val="bg1"/>
+                </a:solidFill>
+                <a:latin typeface="Arial" panose="020B0604020202020204" pitchFamily="34" charset="0"/>
+                <a:cs typeface="Arial" panose="020B0604020202020204" pitchFamily="34" charset="0"/>
+              </a:endParaRPr>
+            </a:p>
+          </p:txBody>
+        </p:sp>
+      </p:grpSp>
+    </p:spTree>
+    <p:extLst>
+      <p:ext uri="{BB962C8B-B14F-4D97-AF65-F5344CB8AC3E}">
+        <p14:creationId xmlns:p14="http://schemas.microsoft.com/office/powerpoint/2010/main" val="3022602985"/>
+      </p:ext>
+    </p:extLst>
+  </p:cSld>
+  <p:clrMapOvr>
+    <a:masterClrMapping/>
+  </p:clrMapOvr>
+</p:sld>
+</file>
+
+<file path=ppt/slides/slide18.xml><?xml version="1.0" encoding="utf-8"?>
+<p:sld xmlns:a="http://schemas.openxmlformats.org/drawingml/2006/main" xmlns:r="http://schemas.openxmlformats.org/officeDocument/2006/relationships" xmlns:p="http://schemas.openxmlformats.org/presentationml/2006/main">
+  <p:cSld>
+    <p:spTree>
+      <p:nvGrpSpPr>
+        <p:cNvPr id="1" name=""/>
+        <p:cNvGrpSpPr/>
+        <p:nvPr/>
+      </p:nvGrpSpPr>
+      <p:grpSpPr>
+        <a:xfrm>
+          <a:off x="0" y="0"/>
+          <a:ext cx="0" cy="0"/>
+          <a:chOff x="0" y="0"/>
+          <a:chExt cx="0" cy="0"/>
+        </a:xfrm>
+      </p:grpSpPr>
+      <p:sp>
+        <p:nvSpPr>
+          <p:cNvPr id="4" name="Título 3">
+            <a:extLst>
+              <a:ext uri="{FF2B5EF4-FFF2-40B4-BE49-F238E27FC236}">
+                <a16:creationId xmlns:a16="http://schemas.microsoft.com/office/drawing/2014/main" id="{6C82505A-C741-4787-816A-AD4CE9F18845}"/>
+              </a:ext>
+            </a:extLst>
+          </p:cNvPr>
+          <p:cNvSpPr>
+            <a:spLocks noGrp="1"/>
+          </p:cNvSpPr>
+          <p:nvPr>
+            <p:ph type="title"/>
+          </p:nvPr>
+        </p:nvSpPr>
+        <p:spPr>
+          <a:xfrm>
+            <a:off x="645952" y="726816"/>
+            <a:ext cx="9445616" cy="560997"/>
+          </a:xfrm>
+        </p:spPr>
+        <p:txBody>
+          <a:bodyPr>
+            <a:normAutofit fontScale="90000"/>
+          </a:bodyPr>
+          <a:lstStyle/>
+          <a:p>
+            <a:r>
+              <a:rPr lang="es-ES" b="1" dirty="0">
+                <a:solidFill>
+                  <a:srgbClr val="AD198D"/>
+                </a:solidFill>
+              </a:rPr>
+              <a:t>En la </a:t>
+            </a:r>
+            <a:r>
+              <a:rPr lang="es-ES" b="1" dirty="0" err="1">
+                <a:solidFill>
+                  <a:srgbClr val="AD198D"/>
+                </a:solidFill>
+              </a:rPr>
+              <a:t>Inception</a:t>
+            </a:r>
+            <a:endParaRPr lang="es-CO" b="1" dirty="0">
+              <a:solidFill>
+                <a:schemeClr val="accent1">
+                  <a:lumMod val="75000"/>
+                </a:schemeClr>
+              </a:solidFill>
+            </a:endParaRPr>
+          </a:p>
+        </p:txBody>
+      </p:sp>
+      <p:sp>
+        <p:nvSpPr>
+          <p:cNvPr id="6" name="CuadroTexto 5">
+            <a:extLst>
+              <a:ext uri="{FF2B5EF4-FFF2-40B4-BE49-F238E27FC236}">
+                <a16:creationId xmlns:a16="http://schemas.microsoft.com/office/drawing/2014/main" id="{D8711CCA-9202-4152-835A-EBF1A3278DB1}"/>
+              </a:ext>
+            </a:extLst>
+          </p:cNvPr>
+          <p:cNvSpPr txBox="1"/>
+          <p:nvPr/>
+        </p:nvSpPr>
+        <p:spPr>
+          <a:xfrm>
+            <a:off x="758331" y="5999416"/>
+            <a:ext cx="9446002" cy="646331"/>
+          </a:xfrm>
+          <a:prstGeom prst="rect">
+            <a:avLst/>
+          </a:prstGeom>
+          <a:noFill/>
+        </p:spPr>
+        <p:txBody>
+          <a:bodyPr wrap="square" rtlCol="0">
+            <a:spAutoFit/>
+          </a:bodyPr>
+          <a:lstStyle/>
+          <a:p>
+            <a:pPr lvl="1"/>
+            <a:r>
+              <a:rPr lang="es-ES" dirty="0" err="1">
+                <a:solidFill>
+                  <a:schemeClr val="accent1">
+                    <a:lumMod val="75000"/>
+                  </a:schemeClr>
+                </a:solidFill>
+              </a:rPr>
+              <a:t>xxxxxxxxx</a:t>
+            </a:r>
+            <a:endParaRPr lang="es-ES" dirty="0">
+              <a:solidFill>
+                <a:schemeClr val="accent1">
+                  <a:lumMod val="75000"/>
+                </a:schemeClr>
+              </a:solidFill>
+            </a:endParaRPr>
+          </a:p>
+          <a:p>
+            <a:pPr marL="800100" lvl="1" indent="-342900">
+              <a:buAutoNum type="arabicPeriod"/>
+            </a:pPr>
+            <a:endParaRPr lang="es-ES" dirty="0">
+              <a:solidFill>
+                <a:schemeClr val="accent1">
+                  <a:lumMod val="75000"/>
+                </a:schemeClr>
+              </a:solidFill>
+            </a:endParaRPr>
+          </a:p>
+        </p:txBody>
+      </p:sp>
+      <p:cxnSp>
+        <p:nvCxnSpPr>
+          <p:cNvPr id="3" name="Conector recto 2">
+            <a:extLst>
+              <a:ext uri="{FF2B5EF4-FFF2-40B4-BE49-F238E27FC236}">
+                <a16:creationId xmlns:a16="http://schemas.microsoft.com/office/drawing/2014/main" id="{27CE9D79-97AE-41A9-BC40-612A619BFC26}"/>
+              </a:ext>
+            </a:extLst>
+          </p:cNvPr>
+          <p:cNvCxnSpPr/>
+          <p:nvPr/>
+        </p:nvCxnSpPr>
+        <p:spPr>
+          <a:xfrm>
+            <a:off x="645952" y="1375794"/>
+            <a:ext cx="10192624" cy="0"/>
+          </a:xfrm>
+          <a:prstGeom prst="line">
+            <a:avLst/>
+          </a:prstGeom>
+          <a:ln w="28575">
+            <a:solidFill>
+              <a:srgbClr val="7030A0"/>
+            </a:solidFill>
+          </a:ln>
+        </p:spPr>
+        <p:style>
+          <a:lnRef idx="1">
+            <a:schemeClr val="accent1"/>
+          </a:lnRef>
+          <a:fillRef idx="0">
+            <a:schemeClr val="accent1"/>
+          </a:fillRef>
+          <a:effectRef idx="0">
+            <a:schemeClr val="accent1"/>
+          </a:effectRef>
+          <a:fontRef idx="minor">
+            <a:schemeClr val="tx1"/>
+          </a:fontRef>
+        </p:style>
+      </p:cxnSp>
+      <p:grpSp>
+        <p:nvGrpSpPr>
+          <p:cNvPr id="5" name="Grupo 4">
+            <a:extLst>
+              <a:ext uri="{FF2B5EF4-FFF2-40B4-BE49-F238E27FC236}">
+                <a16:creationId xmlns:a16="http://schemas.microsoft.com/office/drawing/2014/main" id="{266E1E50-0728-4303-9C87-1AECB1A24B27}"/>
+              </a:ext>
+            </a:extLst>
+          </p:cNvPr>
+          <p:cNvGrpSpPr/>
+          <p:nvPr/>
+        </p:nvGrpSpPr>
+        <p:grpSpPr>
+          <a:xfrm>
+            <a:off x="506040" y="1533574"/>
+            <a:ext cx="2813544" cy="764655"/>
+            <a:chOff x="923706" y="1883352"/>
+            <a:chExt cx="2670151" cy="764655"/>
+          </a:xfrm>
+        </p:grpSpPr>
+        <p:sp>
+          <p:nvSpPr>
+            <p:cNvPr id="7" name="Redondear rectángulo de esquina sencilla 4">
+              <a:extLst>
+                <a:ext uri="{FF2B5EF4-FFF2-40B4-BE49-F238E27FC236}">
+                  <a16:creationId xmlns:a16="http://schemas.microsoft.com/office/drawing/2014/main" id="{5159601C-554E-42FD-B1A4-02F607B58991}"/>
+                </a:ext>
+              </a:extLst>
+            </p:cNvPr>
+            <p:cNvSpPr/>
+            <p:nvPr/>
+          </p:nvSpPr>
+          <p:spPr>
+            <a:xfrm rot="10800000">
+              <a:off x="923706" y="1883352"/>
+              <a:ext cx="947706" cy="751857"/>
+            </a:xfrm>
+            <a:custGeom>
+              <a:avLst/>
+              <a:gdLst>
+                <a:gd name="connsiteX0" fmla="*/ 0 w 947706"/>
+                <a:gd name="connsiteY0" fmla="*/ 0 h 776366"/>
+                <a:gd name="connsiteX1" fmla="*/ 818309 w 947706"/>
+                <a:gd name="connsiteY1" fmla="*/ 0 h 776366"/>
+                <a:gd name="connsiteX2" fmla="*/ 947706 w 947706"/>
+                <a:gd name="connsiteY2" fmla="*/ 129397 h 776366"/>
+                <a:gd name="connsiteX3" fmla="*/ 947706 w 947706"/>
+                <a:gd name="connsiteY3" fmla="*/ 776366 h 776366"/>
+                <a:gd name="connsiteX4" fmla="*/ 0 w 947706"/>
+                <a:gd name="connsiteY4" fmla="*/ 776366 h 776366"/>
+                <a:gd name="connsiteX5" fmla="*/ 0 w 947706"/>
+                <a:gd name="connsiteY5" fmla="*/ 0 h 776366"/>
+                <a:gd name="connsiteX0" fmla="*/ 0 w 947706"/>
+                <a:gd name="connsiteY0" fmla="*/ 0 h 776366"/>
+                <a:gd name="connsiteX1" fmla="*/ 818309 w 947706"/>
+                <a:gd name="connsiteY1" fmla="*/ 0 h 776366"/>
+                <a:gd name="connsiteX2" fmla="*/ 947706 w 947706"/>
+                <a:gd name="connsiteY2" fmla="*/ 129397 h 776366"/>
+                <a:gd name="connsiteX3" fmla="*/ 924846 w 947706"/>
+                <a:gd name="connsiteY3" fmla="*/ 776366 h 776366"/>
+                <a:gd name="connsiteX4" fmla="*/ 0 w 947706"/>
+                <a:gd name="connsiteY4" fmla="*/ 776366 h 776366"/>
+                <a:gd name="connsiteX5" fmla="*/ 0 w 947706"/>
+                <a:gd name="connsiteY5" fmla="*/ 0 h 776366"/>
+                <a:gd name="connsiteX0" fmla="*/ 0 w 947706"/>
+                <a:gd name="connsiteY0" fmla="*/ 0 h 776366"/>
+                <a:gd name="connsiteX1" fmla="*/ 818309 w 947706"/>
+                <a:gd name="connsiteY1" fmla="*/ 0 h 776366"/>
+                <a:gd name="connsiteX2" fmla="*/ 947706 w 947706"/>
+                <a:gd name="connsiteY2" fmla="*/ 129397 h 776366"/>
+                <a:gd name="connsiteX3" fmla="*/ 901986 w 947706"/>
+                <a:gd name="connsiteY3" fmla="*/ 768746 h 776366"/>
+                <a:gd name="connsiteX4" fmla="*/ 0 w 947706"/>
+                <a:gd name="connsiteY4" fmla="*/ 776366 h 776366"/>
+                <a:gd name="connsiteX5" fmla="*/ 0 w 947706"/>
+                <a:gd name="connsiteY5" fmla="*/ 0 h 776366"/>
+                <a:gd name="connsiteX0" fmla="*/ 0 w 947706"/>
+                <a:gd name="connsiteY0" fmla="*/ 0 h 776366"/>
+                <a:gd name="connsiteX1" fmla="*/ 843709 w 947706"/>
+                <a:gd name="connsiteY1" fmla="*/ 0 h 776366"/>
+                <a:gd name="connsiteX2" fmla="*/ 947706 w 947706"/>
+                <a:gd name="connsiteY2" fmla="*/ 129397 h 776366"/>
+                <a:gd name="connsiteX3" fmla="*/ 901986 w 947706"/>
+                <a:gd name="connsiteY3" fmla="*/ 768746 h 776366"/>
+                <a:gd name="connsiteX4" fmla="*/ 0 w 947706"/>
+                <a:gd name="connsiteY4" fmla="*/ 776366 h 776366"/>
+                <a:gd name="connsiteX5" fmla="*/ 0 w 947706"/>
+                <a:gd name="connsiteY5" fmla="*/ 0 h 776366"/>
+                <a:gd name="connsiteX0" fmla="*/ 0 w 947706"/>
+                <a:gd name="connsiteY0" fmla="*/ 0 h 776366"/>
+                <a:gd name="connsiteX1" fmla="*/ 843709 w 947706"/>
+                <a:gd name="connsiteY1" fmla="*/ 0 h 776366"/>
+                <a:gd name="connsiteX2" fmla="*/ 947706 w 947706"/>
+                <a:gd name="connsiteY2" fmla="*/ 116697 h 776366"/>
+                <a:gd name="connsiteX3" fmla="*/ 901986 w 947706"/>
+                <a:gd name="connsiteY3" fmla="*/ 768746 h 776366"/>
+                <a:gd name="connsiteX4" fmla="*/ 0 w 947706"/>
+                <a:gd name="connsiteY4" fmla="*/ 776366 h 776366"/>
+                <a:gd name="connsiteX5" fmla="*/ 0 w 947706"/>
+                <a:gd name="connsiteY5" fmla="*/ 0 h 776366"/>
+                <a:gd name="connsiteX0" fmla="*/ 0 w 947706"/>
+                <a:gd name="connsiteY0" fmla="*/ 0 h 776366"/>
+                <a:gd name="connsiteX1" fmla="*/ 843709 w 947706"/>
+                <a:gd name="connsiteY1" fmla="*/ 0 h 776366"/>
+                <a:gd name="connsiteX2" fmla="*/ 947706 w 947706"/>
+                <a:gd name="connsiteY2" fmla="*/ 116697 h 776366"/>
+                <a:gd name="connsiteX3" fmla="*/ 940086 w 947706"/>
+                <a:gd name="connsiteY3" fmla="*/ 743346 h 776366"/>
+                <a:gd name="connsiteX4" fmla="*/ 0 w 947706"/>
+                <a:gd name="connsiteY4" fmla="*/ 776366 h 776366"/>
+                <a:gd name="connsiteX5" fmla="*/ 0 w 947706"/>
+                <a:gd name="connsiteY5" fmla="*/ 0 h 776366"/>
+                <a:gd name="connsiteX0" fmla="*/ 0 w 947706"/>
+                <a:gd name="connsiteY0" fmla="*/ 0 h 790909"/>
+                <a:gd name="connsiteX1" fmla="*/ 843709 w 947706"/>
+                <a:gd name="connsiteY1" fmla="*/ 0 h 790909"/>
+                <a:gd name="connsiteX2" fmla="*/ 947706 w 947706"/>
+                <a:gd name="connsiteY2" fmla="*/ 116697 h 790909"/>
+                <a:gd name="connsiteX3" fmla="*/ 921036 w 947706"/>
+                <a:gd name="connsiteY3" fmla="*/ 790909 h 790909"/>
+                <a:gd name="connsiteX4" fmla="*/ 0 w 947706"/>
+                <a:gd name="connsiteY4" fmla="*/ 776366 h 790909"/>
+                <a:gd name="connsiteX5" fmla="*/ 0 w 947706"/>
+                <a:gd name="connsiteY5" fmla="*/ 0 h 790909"/>
+                <a:gd name="connsiteX0" fmla="*/ 0 w 947706"/>
+                <a:gd name="connsiteY0" fmla="*/ 0 h 804498"/>
+                <a:gd name="connsiteX1" fmla="*/ 843709 w 947706"/>
+                <a:gd name="connsiteY1" fmla="*/ 0 h 804498"/>
+                <a:gd name="connsiteX2" fmla="*/ 947706 w 947706"/>
+                <a:gd name="connsiteY2" fmla="*/ 116697 h 804498"/>
+                <a:gd name="connsiteX3" fmla="*/ 946436 w 947706"/>
+                <a:gd name="connsiteY3" fmla="*/ 804498 h 804498"/>
+                <a:gd name="connsiteX4" fmla="*/ 0 w 947706"/>
+                <a:gd name="connsiteY4" fmla="*/ 776366 h 804498"/>
+                <a:gd name="connsiteX5" fmla="*/ 0 w 947706"/>
+                <a:gd name="connsiteY5" fmla="*/ 0 h 804498"/>
+                <a:gd name="connsiteX0" fmla="*/ 0 w 947706"/>
+                <a:gd name="connsiteY0" fmla="*/ 0 h 804498"/>
+                <a:gd name="connsiteX1" fmla="*/ 843709 w 947706"/>
+                <a:gd name="connsiteY1" fmla="*/ 0 h 804498"/>
+                <a:gd name="connsiteX2" fmla="*/ 947706 w 947706"/>
+                <a:gd name="connsiteY2" fmla="*/ 116697 h 804498"/>
+                <a:gd name="connsiteX3" fmla="*/ 946436 w 947706"/>
+                <a:gd name="connsiteY3" fmla="*/ 804498 h 804498"/>
+                <a:gd name="connsiteX4" fmla="*/ 0 w 947706"/>
+                <a:gd name="connsiteY4" fmla="*/ 803545 h 804498"/>
+                <a:gd name="connsiteX5" fmla="*/ 0 w 947706"/>
+                <a:gd name="connsiteY5" fmla="*/ 0 h 804498"/>
+              </a:gdLst>
+              <a:ahLst/>
+              <a:cxnLst>
+                <a:cxn ang="0">
+                  <a:pos x="connsiteX0" y="connsiteY0"/>
+                </a:cxn>
+                <a:cxn ang="0">
+                  <a:pos x="connsiteX1" y="connsiteY1"/>
+                </a:cxn>
+                <a:cxn ang="0">
+                  <a:pos x="connsiteX2" y="connsiteY2"/>
+                </a:cxn>
+                <a:cxn ang="0">
+                  <a:pos x="connsiteX3" y="connsiteY3"/>
+                </a:cxn>
+                <a:cxn ang="0">
+                  <a:pos x="connsiteX4" y="connsiteY4"/>
+                </a:cxn>
+                <a:cxn ang="0">
+                  <a:pos x="connsiteX5" y="connsiteY5"/>
+                </a:cxn>
+              </a:cxnLst>
+              <a:rect l="l" t="t" r="r" b="b"/>
+              <a:pathLst>
+                <a:path w="947706" h="804498">
+                  <a:moveTo>
+                    <a:pt x="0" y="0"/>
+                  </a:moveTo>
+                  <a:lnTo>
+                    <a:pt x="843709" y="0"/>
+                  </a:lnTo>
+                  <a:cubicBezTo>
+                    <a:pt x="915173" y="0"/>
+                    <a:pt x="947706" y="45233"/>
+                    <a:pt x="947706" y="116697"/>
+                  </a:cubicBezTo>
+                  <a:cubicBezTo>
+                    <a:pt x="947283" y="345964"/>
+                    <a:pt x="946859" y="575231"/>
+                    <a:pt x="946436" y="804498"/>
+                  </a:cubicBezTo>
+                  <a:lnTo>
+                    <a:pt x="0" y="803545"/>
+                  </a:lnTo>
+                  <a:lnTo>
+                    <a:pt x="0" y="0"/>
+                  </a:lnTo>
+                  <a:close/>
+                </a:path>
+              </a:pathLst>
+            </a:custGeom>
+            <a:ln>
+              <a:noFill/>
+            </a:ln>
+          </p:spPr>
+          <p:style>
+            <a:lnRef idx="2">
+              <a:schemeClr val="accent1">
+                <a:shade val="50000"/>
+              </a:schemeClr>
+            </a:lnRef>
+            <a:fillRef idx="1">
+              <a:schemeClr val="accent1"/>
+            </a:fillRef>
+            <a:effectRef idx="0">
+              <a:schemeClr val="accent1"/>
+            </a:effectRef>
+            <a:fontRef idx="minor">
+              <a:schemeClr val="lt1"/>
+            </a:fontRef>
+          </p:style>
+          <p:txBody>
+            <a:bodyPr rtlCol="0" anchor="ctr"/>
+            <a:lstStyle/>
+            <a:p>
+              <a:pPr algn="ctr"/>
+              <a:endParaRPr lang="es-CO" dirty="0"/>
+            </a:p>
+          </p:txBody>
+        </p:sp>
+        <p:sp>
+          <p:nvSpPr>
+            <p:cNvPr id="8" name="CuadroTexto 7">
+              <a:extLst>
+                <a:ext uri="{FF2B5EF4-FFF2-40B4-BE49-F238E27FC236}">
+                  <a16:creationId xmlns:a16="http://schemas.microsoft.com/office/drawing/2014/main" id="{1ED15928-E36F-42B9-8C83-2BD48D6C9B89}"/>
+                </a:ext>
+              </a:extLst>
+            </p:cNvPr>
+            <p:cNvSpPr txBox="1"/>
+            <p:nvPr/>
+          </p:nvSpPr>
+          <p:spPr>
+            <a:xfrm>
+              <a:off x="1854634" y="1896152"/>
+              <a:ext cx="1739223" cy="739058"/>
+            </a:xfrm>
+            <a:prstGeom prst="rect">
+              <a:avLst/>
+            </a:prstGeom>
+            <a:noFill/>
+            <a:ln>
+              <a:solidFill>
+                <a:srgbClr val="AD198D"/>
+              </a:solidFill>
+            </a:ln>
+          </p:spPr>
+          <p:txBody>
+            <a:bodyPr wrap="square" rtlCol="0" anchor="ctr">
+              <a:noAutofit/>
+            </a:bodyPr>
+            <a:lstStyle/>
+            <a:p>
+              <a:r>
+                <a:rPr lang="es-ES" dirty="0">
+                  <a:solidFill>
+                    <a:schemeClr val="accent1">
+                      <a:lumMod val="75000"/>
+                    </a:schemeClr>
+                  </a:solidFill>
+                </a:rPr>
+                <a:t>Control de Asistencia</a:t>
+              </a:r>
+            </a:p>
+          </p:txBody>
+        </p:sp>
+        <p:sp>
+          <p:nvSpPr>
+            <p:cNvPr id="9" name="CuadroTexto 8">
+              <a:extLst>
+                <a:ext uri="{FF2B5EF4-FFF2-40B4-BE49-F238E27FC236}">
+                  <a16:creationId xmlns:a16="http://schemas.microsoft.com/office/drawing/2014/main" id="{55A46C92-D89F-42B7-B8DC-1721E02E2B38}"/>
+                </a:ext>
+              </a:extLst>
+            </p:cNvPr>
+            <p:cNvSpPr txBox="1"/>
+            <p:nvPr/>
+          </p:nvSpPr>
+          <p:spPr>
+            <a:xfrm>
+              <a:off x="923706" y="1896151"/>
+              <a:ext cx="947705" cy="751856"/>
+            </a:xfrm>
+            <a:prstGeom prst="rect">
+              <a:avLst/>
+            </a:prstGeom>
+            <a:noFill/>
+          </p:spPr>
+          <p:txBody>
+            <a:bodyPr wrap="none" rtlCol="0" anchor="ctr">
+              <a:noAutofit/>
+            </a:bodyPr>
+            <a:lstStyle/>
+            <a:p>
+              <a:pPr algn="ctr"/>
+              <a:r>
+                <a:rPr lang="es-CO" sz="2800" b="1" dirty="0">
+                  <a:solidFill>
+                    <a:schemeClr val="bg1"/>
+                  </a:solidFill>
+                  <a:latin typeface="Arial" panose="020B0604020202020204" pitchFamily="34" charset="0"/>
+                  <a:cs typeface="Arial" panose="020B0604020202020204" pitchFamily="34" charset="0"/>
+                </a:rPr>
+                <a:t>04</a:t>
+              </a:r>
+              <a:endParaRPr lang="es-CO" b="1" dirty="0">
+                <a:solidFill>
+                  <a:schemeClr val="bg1"/>
+                </a:solidFill>
+                <a:latin typeface="Arial" panose="020B0604020202020204" pitchFamily="34" charset="0"/>
+                <a:cs typeface="Arial" panose="020B0604020202020204" pitchFamily="34" charset="0"/>
+              </a:endParaRPr>
+            </a:p>
+          </p:txBody>
+        </p:sp>
+      </p:grpSp>
+    </p:spTree>
+    <p:extLst>
+      <p:ext uri="{BB962C8B-B14F-4D97-AF65-F5344CB8AC3E}">
+        <p14:creationId xmlns:p14="http://schemas.microsoft.com/office/powerpoint/2010/main" val="706207159"/>
+      </p:ext>
+    </p:extLst>
+  </p:cSld>
+  <p:clrMapOvr>
+    <a:masterClrMapping/>
+  </p:clrMapOvr>
+</p:sld>
+</file>
+
+<file path=ppt/slides/slide19.xml><?xml version="1.0" encoding="utf-8"?>
+<p:sld xmlns:a="http://schemas.openxmlformats.org/drawingml/2006/main" xmlns:r="http://schemas.openxmlformats.org/officeDocument/2006/relationships" xmlns:p="http://schemas.openxmlformats.org/presentationml/2006/main">
+  <p:cSld>
+    <p:spTree>
+      <p:nvGrpSpPr>
+        <p:cNvPr id="1" name=""/>
+        <p:cNvGrpSpPr/>
+        <p:nvPr/>
+      </p:nvGrpSpPr>
+      <p:grpSpPr>
+        <a:xfrm>
+          <a:off x="0" y="0"/>
+          <a:ext cx="0" cy="0"/>
+          <a:chOff x="0" y="0"/>
+          <a:chExt cx="0" cy="0"/>
+        </a:xfrm>
+      </p:grpSpPr>
+      <p:sp>
+        <p:nvSpPr>
+          <p:cNvPr id="4" name="Título 3">
+            <a:extLst>
+              <a:ext uri="{FF2B5EF4-FFF2-40B4-BE49-F238E27FC236}">
+                <a16:creationId xmlns:a16="http://schemas.microsoft.com/office/drawing/2014/main" id="{6C82505A-C741-4787-816A-AD4CE9F18845}"/>
+              </a:ext>
+            </a:extLst>
+          </p:cNvPr>
+          <p:cNvSpPr>
+            <a:spLocks noGrp="1"/>
+          </p:cNvSpPr>
+          <p:nvPr>
+            <p:ph type="title"/>
+          </p:nvPr>
+        </p:nvSpPr>
+        <p:spPr>
+          <a:xfrm>
+            <a:off x="645952" y="726816"/>
+            <a:ext cx="9445616" cy="560997"/>
+          </a:xfrm>
+        </p:spPr>
+        <p:txBody>
+          <a:bodyPr>
+            <a:normAutofit fontScale="90000"/>
+          </a:bodyPr>
+          <a:lstStyle/>
+          <a:p>
+            <a:r>
+              <a:rPr lang="es-ES" b="1" dirty="0">
+                <a:solidFill>
+                  <a:srgbClr val="AD198D"/>
+                </a:solidFill>
+              </a:rPr>
+              <a:t>Después </a:t>
+            </a:r>
+            <a:r>
+              <a:rPr lang="es-ES" b="1" dirty="0" err="1">
+                <a:solidFill>
+                  <a:srgbClr val="AD198D"/>
+                </a:solidFill>
+              </a:rPr>
+              <a:t>Inception</a:t>
+            </a:r>
+            <a:endParaRPr lang="es-CO" b="1" dirty="0">
+              <a:solidFill>
+                <a:schemeClr val="accent1">
+                  <a:lumMod val="75000"/>
+                </a:schemeClr>
+              </a:solidFill>
+            </a:endParaRPr>
+          </a:p>
+        </p:txBody>
+      </p:sp>
+      <p:sp>
+        <p:nvSpPr>
+          <p:cNvPr id="6" name="CuadroTexto 5">
+            <a:extLst>
+              <a:ext uri="{FF2B5EF4-FFF2-40B4-BE49-F238E27FC236}">
+                <a16:creationId xmlns:a16="http://schemas.microsoft.com/office/drawing/2014/main" id="{D8711CCA-9202-4152-835A-EBF1A3278DB1}"/>
+              </a:ext>
+            </a:extLst>
+          </p:cNvPr>
+          <p:cNvSpPr txBox="1"/>
+          <p:nvPr/>
+        </p:nvSpPr>
+        <p:spPr>
+          <a:xfrm>
+            <a:off x="758331" y="5999416"/>
+            <a:ext cx="9446002" cy="646331"/>
+          </a:xfrm>
+          <a:prstGeom prst="rect">
+            <a:avLst/>
+          </a:prstGeom>
+          <a:noFill/>
+        </p:spPr>
+        <p:txBody>
+          <a:bodyPr wrap="square" rtlCol="0">
+            <a:spAutoFit/>
+          </a:bodyPr>
+          <a:lstStyle/>
+          <a:p>
+            <a:pPr lvl="1"/>
+            <a:r>
+              <a:rPr lang="es-ES" dirty="0" err="1">
+                <a:solidFill>
+                  <a:schemeClr val="accent1">
+                    <a:lumMod val="75000"/>
+                  </a:schemeClr>
+                </a:solidFill>
+              </a:rPr>
+              <a:t>xxxxxxxxx</a:t>
+            </a:r>
+            <a:endParaRPr lang="es-ES" dirty="0">
+              <a:solidFill>
+                <a:schemeClr val="accent1">
+                  <a:lumMod val="75000"/>
+                </a:schemeClr>
+              </a:solidFill>
+            </a:endParaRPr>
+          </a:p>
+          <a:p>
+            <a:pPr marL="800100" lvl="1" indent="-342900">
+              <a:buAutoNum type="arabicPeriod"/>
+            </a:pPr>
+            <a:endParaRPr lang="es-ES" dirty="0">
+              <a:solidFill>
+                <a:schemeClr val="accent1">
+                  <a:lumMod val="75000"/>
+                </a:schemeClr>
+              </a:solidFill>
+            </a:endParaRPr>
+          </a:p>
+        </p:txBody>
+      </p:sp>
+      <p:cxnSp>
+        <p:nvCxnSpPr>
+          <p:cNvPr id="3" name="Conector recto 2">
+            <a:extLst>
+              <a:ext uri="{FF2B5EF4-FFF2-40B4-BE49-F238E27FC236}">
+                <a16:creationId xmlns:a16="http://schemas.microsoft.com/office/drawing/2014/main" id="{27CE9D79-97AE-41A9-BC40-612A619BFC26}"/>
+              </a:ext>
+            </a:extLst>
+          </p:cNvPr>
+          <p:cNvCxnSpPr/>
+          <p:nvPr/>
+        </p:nvCxnSpPr>
+        <p:spPr>
+          <a:xfrm>
+            <a:off x="645952" y="1375794"/>
+            <a:ext cx="10192624" cy="0"/>
+          </a:xfrm>
+          <a:prstGeom prst="line">
+            <a:avLst/>
+          </a:prstGeom>
+          <a:ln w="28575">
+            <a:solidFill>
+              <a:srgbClr val="7030A0"/>
+            </a:solidFill>
+          </a:ln>
+        </p:spPr>
+        <p:style>
+          <a:lnRef idx="1">
+            <a:schemeClr val="accent1"/>
+          </a:lnRef>
+          <a:fillRef idx="0">
+            <a:schemeClr val="accent1"/>
+          </a:fillRef>
+          <a:effectRef idx="0">
+            <a:schemeClr val="accent1"/>
+          </a:effectRef>
+          <a:fontRef idx="minor">
+            <a:schemeClr val="tx1"/>
+          </a:fontRef>
+        </p:style>
+      </p:cxnSp>
+      <p:grpSp>
+        <p:nvGrpSpPr>
+          <p:cNvPr id="5" name="Grupo 4">
+            <a:extLst>
+              <a:ext uri="{FF2B5EF4-FFF2-40B4-BE49-F238E27FC236}">
+                <a16:creationId xmlns:a16="http://schemas.microsoft.com/office/drawing/2014/main" id="{266E1E50-0728-4303-9C87-1AECB1A24B27}"/>
+              </a:ext>
+            </a:extLst>
+          </p:cNvPr>
+          <p:cNvGrpSpPr/>
+          <p:nvPr/>
+        </p:nvGrpSpPr>
+        <p:grpSpPr>
+          <a:xfrm>
+            <a:off x="506040" y="1533574"/>
+            <a:ext cx="2813544" cy="764655"/>
+            <a:chOff x="923706" y="1883352"/>
+            <a:chExt cx="2670151" cy="764655"/>
+          </a:xfrm>
+        </p:grpSpPr>
+        <p:sp>
+          <p:nvSpPr>
+            <p:cNvPr id="7" name="Redondear rectángulo de esquina sencilla 4">
+              <a:extLst>
+                <a:ext uri="{FF2B5EF4-FFF2-40B4-BE49-F238E27FC236}">
+                  <a16:creationId xmlns:a16="http://schemas.microsoft.com/office/drawing/2014/main" id="{5159601C-554E-42FD-B1A4-02F607B58991}"/>
+                </a:ext>
+              </a:extLst>
+            </p:cNvPr>
+            <p:cNvSpPr/>
+            <p:nvPr/>
+          </p:nvSpPr>
+          <p:spPr>
+            <a:xfrm rot="10800000">
+              <a:off x="923706" y="1883352"/>
+              <a:ext cx="947706" cy="751857"/>
+            </a:xfrm>
+            <a:custGeom>
+              <a:avLst/>
+              <a:gdLst>
+                <a:gd name="connsiteX0" fmla="*/ 0 w 947706"/>
+                <a:gd name="connsiteY0" fmla="*/ 0 h 776366"/>
+                <a:gd name="connsiteX1" fmla="*/ 818309 w 947706"/>
+                <a:gd name="connsiteY1" fmla="*/ 0 h 776366"/>
+                <a:gd name="connsiteX2" fmla="*/ 947706 w 947706"/>
+                <a:gd name="connsiteY2" fmla="*/ 129397 h 776366"/>
+                <a:gd name="connsiteX3" fmla="*/ 947706 w 947706"/>
+                <a:gd name="connsiteY3" fmla="*/ 776366 h 776366"/>
+                <a:gd name="connsiteX4" fmla="*/ 0 w 947706"/>
+                <a:gd name="connsiteY4" fmla="*/ 776366 h 776366"/>
+                <a:gd name="connsiteX5" fmla="*/ 0 w 947706"/>
+                <a:gd name="connsiteY5" fmla="*/ 0 h 776366"/>
+                <a:gd name="connsiteX0" fmla="*/ 0 w 947706"/>
+                <a:gd name="connsiteY0" fmla="*/ 0 h 776366"/>
+                <a:gd name="connsiteX1" fmla="*/ 818309 w 947706"/>
+                <a:gd name="connsiteY1" fmla="*/ 0 h 776366"/>
+                <a:gd name="connsiteX2" fmla="*/ 947706 w 947706"/>
+                <a:gd name="connsiteY2" fmla="*/ 129397 h 776366"/>
+                <a:gd name="connsiteX3" fmla="*/ 924846 w 947706"/>
+                <a:gd name="connsiteY3" fmla="*/ 776366 h 776366"/>
+                <a:gd name="connsiteX4" fmla="*/ 0 w 947706"/>
+                <a:gd name="connsiteY4" fmla="*/ 776366 h 776366"/>
+                <a:gd name="connsiteX5" fmla="*/ 0 w 947706"/>
+                <a:gd name="connsiteY5" fmla="*/ 0 h 776366"/>
+                <a:gd name="connsiteX0" fmla="*/ 0 w 947706"/>
+                <a:gd name="connsiteY0" fmla="*/ 0 h 776366"/>
+                <a:gd name="connsiteX1" fmla="*/ 818309 w 947706"/>
+                <a:gd name="connsiteY1" fmla="*/ 0 h 776366"/>
+                <a:gd name="connsiteX2" fmla="*/ 947706 w 947706"/>
+                <a:gd name="connsiteY2" fmla="*/ 129397 h 776366"/>
+                <a:gd name="connsiteX3" fmla="*/ 901986 w 947706"/>
+                <a:gd name="connsiteY3" fmla="*/ 768746 h 776366"/>
+                <a:gd name="connsiteX4" fmla="*/ 0 w 947706"/>
+                <a:gd name="connsiteY4" fmla="*/ 776366 h 776366"/>
+                <a:gd name="connsiteX5" fmla="*/ 0 w 947706"/>
+                <a:gd name="connsiteY5" fmla="*/ 0 h 776366"/>
+                <a:gd name="connsiteX0" fmla="*/ 0 w 947706"/>
+                <a:gd name="connsiteY0" fmla="*/ 0 h 776366"/>
+                <a:gd name="connsiteX1" fmla="*/ 843709 w 947706"/>
+                <a:gd name="connsiteY1" fmla="*/ 0 h 776366"/>
+                <a:gd name="connsiteX2" fmla="*/ 947706 w 947706"/>
+                <a:gd name="connsiteY2" fmla="*/ 129397 h 776366"/>
+                <a:gd name="connsiteX3" fmla="*/ 901986 w 947706"/>
+                <a:gd name="connsiteY3" fmla="*/ 768746 h 776366"/>
+                <a:gd name="connsiteX4" fmla="*/ 0 w 947706"/>
+                <a:gd name="connsiteY4" fmla="*/ 776366 h 776366"/>
+                <a:gd name="connsiteX5" fmla="*/ 0 w 947706"/>
+                <a:gd name="connsiteY5" fmla="*/ 0 h 776366"/>
+                <a:gd name="connsiteX0" fmla="*/ 0 w 947706"/>
+                <a:gd name="connsiteY0" fmla="*/ 0 h 776366"/>
+                <a:gd name="connsiteX1" fmla="*/ 843709 w 947706"/>
+                <a:gd name="connsiteY1" fmla="*/ 0 h 776366"/>
+                <a:gd name="connsiteX2" fmla="*/ 947706 w 947706"/>
+                <a:gd name="connsiteY2" fmla="*/ 116697 h 776366"/>
+                <a:gd name="connsiteX3" fmla="*/ 901986 w 947706"/>
+                <a:gd name="connsiteY3" fmla="*/ 768746 h 776366"/>
+                <a:gd name="connsiteX4" fmla="*/ 0 w 947706"/>
+                <a:gd name="connsiteY4" fmla="*/ 776366 h 776366"/>
+                <a:gd name="connsiteX5" fmla="*/ 0 w 947706"/>
+                <a:gd name="connsiteY5" fmla="*/ 0 h 776366"/>
+                <a:gd name="connsiteX0" fmla="*/ 0 w 947706"/>
+                <a:gd name="connsiteY0" fmla="*/ 0 h 776366"/>
+                <a:gd name="connsiteX1" fmla="*/ 843709 w 947706"/>
+                <a:gd name="connsiteY1" fmla="*/ 0 h 776366"/>
+                <a:gd name="connsiteX2" fmla="*/ 947706 w 947706"/>
+                <a:gd name="connsiteY2" fmla="*/ 116697 h 776366"/>
+                <a:gd name="connsiteX3" fmla="*/ 940086 w 947706"/>
+                <a:gd name="connsiteY3" fmla="*/ 743346 h 776366"/>
+                <a:gd name="connsiteX4" fmla="*/ 0 w 947706"/>
+                <a:gd name="connsiteY4" fmla="*/ 776366 h 776366"/>
+                <a:gd name="connsiteX5" fmla="*/ 0 w 947706"/>
+                <a:gd name="connsiteY5" fmla="*/ 0 h 776366"/>
+                <a:gd name="connsiteX0" fmla="*/ 0 w 947706"/>
+                <a:gd name="connsiteY0" fmla="*/ 0 h 790909"/>
+                <a:gd name="connsiteX1" fmla="*/ 843709 w 947706"/>
+                <a:gd name="connsiteY1" fmla="*/ 0 h 790909"/>
+                <a:gd name="connsiteX2" fmla="*/ 947706 w 947706"/>
+                <a:gd name="connsiteY2" fmla="*/ 116697 h 790909"/>
+                <a:gd name="connsiteX3" fmla="*/ 921036 w 947706"/>
+                <a:gd name="connsiteY3" fmla="*/ 790909 h 790909"/>
+                <a:gd name="connsiteX4" fmla="*/ 0 w 947706"/>
+                <a:gd name="connsiteY4" fmla="*/ 776366 h 790909"/>
+                <a:gd name="connsiteX5" fmla="*/ 0 w 947706"/>
+                <a:gd name="connsiteY5" fmla="*/ 0 h 790909"/>
+                <a:gd name="connsiteX0" fmla="*/ 0 w 947706"/>
+                <a:gd name="connsiteY0" fmla="*/ 0 h 804498"/>
+                <a:gd name="connsiteX1" fmla="*/ 843709 w 947706"/>
+                <a:gd name="connsiteY1" fmla="*/ 0 h 804498"/>
+                <a:gd name="connsiteX2" fmla="*/ 947706 w 947706"/>
+                <a:gd name="connsiteY2" fmla="*/ 116697 h 804498"/>
+                <a:gd name="connsiteX3" fmla="*/ 946436 w 947706"/>
+                <a:gd name="connsiteY3" fmla="*/ 804498 h 804498"/>
+                <a:gd name="connsiteX4" fmla="*/ 0 w 947706"/>
+                <a:gd name="connsiteY4" fmla="*/ 776366 h 804498"/>
+                <a:gd name="connsiteX5" fmla="*/ 0 w 947706"/>
+                <a:gd name="connsiteY5" fmla="*/ 0 h 804498"/>
+                <a:gd name="connsiteX0" fmla="*/ 0 w 947706"/>
+                <a:gd name="connsiteY0" fmla="*/ 0 h 804498"/>
+                <a:gd name="connsiteX1" fmla="*/ 843709 w 947706"/>
+                <a:gd name="connsiteY1" fmla="*/ 0 h 804498"/>
+                <a:gd name="connsiteX2" fmla="*/ 947706 w 947706"/>
+                <a:gd name="connsiteY2" fmla="*/ 116697 h 804498"/>
+                <a:gd name="connsiteX3" fmla="*/ 946436 w 947706"/>
+                <a:gd name="connsiteY3" fmla="*/ 804498 h 804498"/>
+                <a:gd name="connsiteX4" fmla="*/ 0 w 947706"/>
+                <a:gd name="connsiteY4" fmla="*/ 803545 h 804498"/>
+                <a:gd name="connsiteX5" fmla="*/ 0 w 947706"/>
+                <a:gd name="connsiteY5" fmla="*/ 0 h 804498"/>
+              </a:gdLst>
+              <a:ahLst/>
+              <a:cxnLst>
+                <a:cxn ang="0">
+                  <a:pos x="connsiteX0" y="connsiteY0"/>
+                </a:cxn>
+                <a:cxn ang="0">
+                  <a:pos x="connsiteX1" y="connsiteY1"/>
+                </a:cxn>
+                <a:cxn ang="0">
+                  <a:pos x="connsiteX2" y="connsiteY2"/>
+                </a:cxn>
+                <a:cxn ang="0">
+                  <a:pos x="connsiteX3" y="connsiteY3"/>
+                </a:cxn>
+                <a:cxn ang="0">
+                  <a:pos x="connsiteX4" y="connsiteY4"/>
+                </a:cxn>
+                <a:cxn ang="0">
+                  <a:pos x="connsiteX5" y="connsiteY5"/>
+                </a:cxn>
+              </a:cxnLst>
+              <a:rect l="l" t="t" r="r" b="b"/>
+              <a:pathLst>
+                <a:path w="947706" h="804498">
+                  <a:moveTo>
+                    <a:pt x="0" y="0"/>
+                  </a:moveTo>
+                  <a:lnTo>
+                    <a:pt x="843709" y="0"/>
+                  </a:lnTo>
+                  <a:cubicBezTo>
+                    <a:pt x="915173" y="0"/>
+                    <a:pt x="947706" y="45233"/>
+                    <a:pt x="947706" y="116697"/>
+                  </a:cubicBezTo>
+                  <a:cubicBezTo>
+                    <a:pt x="947283" y="345964"/>
+                    <a:pt x="946859" y="575231"/>
+                    <a:pt x="946436" y="804498"/>
+                  </a:cubicBezTo>
+                  <a:lnTo>
+                    <a:pt x="0" y="803545"/>
+                  </a:lnTo>
+                  <a:lnTo>
+                    <a:pt x="0" y="0"/>
+                  </a:lnTo>
+                  <a:close/>
+                </a:path>
+              </a:pathLst>
+            </a:custGeom>
+            <a:ln>
+              <a:noFill/>
+            </a:ln>
+          </p:spPr>
+          <p:style>
+            <a:lnRef idx="2">
+              <a:schemeClr val="accent1">
+                <a:shade val="50000"/>
+              </a:schemeClr>
+            </a:lnRef>
+            <a:fillRef idx="1">
+              <a:schemeClr val="accent1"/>
+            </a:fillRef>
+            <a:effectRef idx="0">
+              <a:schemeClr val="accent1"/>
+            </a:effectRef>
+            <a:fontRef idx="minor">
+              <a:schemeClr val="lt1"/>
+            </a:fontRef>
+          </p:style>
+          <p:txBody>
+            <a:bodyPr rtlCol="0" anchor="ctr"/>
+            <a:lstStyle/>
+            <a:p>
+              <a:pPr algn="ctr"/>
+              <a:endParaRPr lang="es-CO" dirty="0"/>
+            </a:p>
+          </p:txBody>
+        </p:sp>
+        <p:sp>
+          <p:nvSpPr>
+            <p:cNvPr id="8" name="CuadroTexto 7">
+              <a:extLst>
+                <a:ext uri="{FF2B5EF4-FFF2-40B4-BE49-F238E27FC236}">
+                  <a16:creationId xmlns:a16="http://schemas.microsoft.com/office/drawing/2014/main" id="{1ED15928-E36F-42B9-8C83-2BD48D6C9B89}"/>
+                </a:ext>
+              </a:extLst>
+            </p:cNvPr>
+            <p:cNvSpPr txBox="1"/>
+            <p:nvPr/>
+          </p:nvSpPr>
+          <p:spPr>
+            <a:xfrm>
+              <a:off x="1854634" y="1896152"/>
+              <a:ext cx="1739223" cy="739058"/>
+            </a:xfrm>
+            <a:prstGeom prst="rect">
+              <a:avLst/>
+            </a:prstGeom>
+            <a:noFill/>
+            <a:ln>
+              <a:solidFill>
+                <a:srgbClr val="AD198D"/>
+              </a:solidFill>
+            </a:ln>
+          </p:spPr>
+          <p:txBody>
+            <a:bodyPr wrap="square" rtlCol="0" anchor="ctr">
+              <a:noAutofit/>
+            </a:bodyPr>
+            <a:lstStyle/>
+            <a:p>
+              <a:r>
+                <a:rPr lang="es-ES" dirty="0">
+                  <a:solidFill>
+                    <a:schemeClr val="accent1">
+                      <a:lumMod val="75000"/>
+                    </a:schemeClr>
+                  </a:solidFill>
+                </a:rPr>
+                <a:t>Informe </a:t>
               </a:r>
               <a:r>
                 <a:rPr lang="es-ES" dirty="0" err="1">
@@ -7099,7 +10175,7 @@
                     </a:schemeClr>
                   </a:solidFill>
                 </a:rPr>
-                <a:t>Mapping</a:t>
+                <a:t>Inception</a:t>
               </a:r>
               <a:endParaRPr lang="es-ES" dirty="0">
                 <a:solidFill>
@@ -7164,7 +10240,7 @@
     </p:spTree>
     <p:extLst>
       <p:ext uri="{BB962C8B-B14F-4D97-AF65-F5344CB8AC3E}">
-        <p14:creationId xmlns:p14="http://schemas.microsoft.com/office/powerpoint/2010/main" val="1871610968"/>
+        <p14:creationId xmlns:p14="http://schemas.microsoft.com/office/powerpoint/2010/main" val="3096207827"/>
       </p:ext>
     </p:extLst>
   </p:cSld>
@@ -7174,7 +10250,448 @@
 </p:sld>
 </file>
 
-<file path=ppt/slides/slide14.xml><?xml version="1.0" encoding="utf-8"?>
+<file path=ppt/slides/slide2.xml><?xml version="1.0" encoding="utf-8"?>
+<p:sld xmlns:a="http://schemas.openxmlformats.org/drawingml/2006/main" xmlns:r="http://schemas.openxmlformats.org/officeDocument/2006/relationships" xmlns:p="http://schemas.openxmlformats.org/presentationml/2006/main">
+  <p:cSld>
+    <p:spTree>
+      <p:nvGrpSpPr>
+        <p:cNvPr id="1" name=""/>
+        <p:cNvGrpSpPr/>
+        <p:nvPr/>
+      </p:nvGrpSpPr>
+      <p:grpSpPr>
+        <a:xfrm>
+          <a:off x="0" y="0"/>
+          <a:ext cx="0" cy="0"/>
+          <a:chOff x="0" y="0"/>
+          <a:chExt cx="0" cy="0"/>
+        </a:xfrm>
+      </p:grpSpPr>
+      <p:sp>
+        <p:nvSpPr>
+          <p:cNvPr id="4" name="Título 3">
+            <a:extLst>
+              <a:ext uri="{FF2B5EF4-FFF2-40B4-BE49-F238E27FC236}">
+                <a16:creationId xmlns:a16="http://schemas.microsoft.com/office/drawing/2014/main" id="{6C82505A-C741-4787-816A-AD4CE9F18845}"/>
+              </a:ext>
+            </a:extLst>
+          </p:cNvPr>
+          <p:cNvSpPr>
+            <a:spLocks noGrp="1"/>
+          </p:cNvSpPr>
+          <p:nvPr>
+            <p:ph type="title"/>
+          </p:nvPr>
+        </p:nvSpPr>
+        <p:spPr/>
+        <p:txBody>
+          <a:bodyPr>
+            <a:normAutofit fontScale="90000"/>
+          </a:bodyPr>
+          <a:lstStyle/>
+          <a:p>
+            <a:r>
+              <a:rPr lang="es-ES" b="1" dirty="0" err="1">
+                <a:solidFill>
+                  <a:srgbClr val="AD198D"/>
+                </a:solidFill>
+              </a:rPr>
+              <a:t>Indice</a:t>
+            </a:r>
+            <a:endParaRPr lang="es-CO" b="1" dirty="0">
+              <a:solidFill>
+                <a:schemeClr val="accent1">
+                  <a:lumMod val="75000"/>
+                </a:schemeClr>
+              </a:solidFill>
+            </a:endParaRPr>
+          </a:p>
+        </p:txBody>
+      </p:sp>
+      <p:sp>
+        <p:nvSpPr>
+          <p:cNvPr id="6" name="CuadroTexto 5">
+            <a:extLst>
+              <a:ext uri="{FF2B5EF4-FFF2-40B4-BE49-F238E27FC236}">
+                <a16:creationId xmlns:a16="http://schemas.microsoft.com/office/drawing/2014/main" id="{D8711CCA-9202-4152-835A-EBF1A3278DB1}"/>
+              </a:ext>
+            </a:extLst>
+          </p:cNvPr>
+          <p:cNvSpPr txBox="1"/>
+          <p:nvPr/>
+        </p:nvSpPr>
+        <p:spPr>
+          <a:xfrm>
+            <a:off x="1124513" y="1475190"/>
+            <a:ext cx="4439804" cy="1754326"/>
+          </a:xfrm>
+          <a:prstGeom prst="rect">
+            <a:avLst/>
+          </a:prstGeom>
+          <a:noFill/>
+        </p:spPr>
+        <p:txBody>
+          <a:bodyPr wrap="square" rtlCol="0">
+            <a:spAutoFit/>
+          </a:bodyPr>
+          <a:lstStyle/>
+          <a:p>
+            <a:pPr marL="342900" indent="-342900">
+              <a:buFont typeface="+mj-lt"/>
+              <a:buAutoNum type="arabicPeriod"/>
+            </a:pPr>
+            <a:r>
+              <a:rPr lang="es-ES" dirty="0">
+                <a:solidFill>
+                  <a:schemeClr val="accent1">
+                    <a:lumMod val="75000"/>
+                  </a:schemeClr>
+                </a:solidFill>
+              </a:rPr>
+              <a:t>Incepción</a:t>
+            </a:r>
+          </a:p>
+          <a:p>
+            <a:pPr marL="800100" lvl="1" indent="-342900">
+              <a:buFont typeface="+mj-lt"/>
+              <a:buAutoNum type="arabicPeriod"/>
+            </a:pPr>
+            <a:r>
+              <a:rPr lang="es-ES" dirty="0" err="1">
+                <a:solidFill>
+                  <a:schemeClr val="accent1">
+                    <a:lumMod val="75000"/>
+                  </a:schemeClr>
+                </a:solidFill>
+              </a:rPr>
+              <a:t>Introduccion</a:t>
+            </a:r>
+            <a:endParaRPr lang="es-ES" dirty="0">
+              <a:solidFill>
+                <a:schemeClr val="accent1">
+                  <a:lumMod val="75000"/>
+                </a:schemeClr>
+              </a:solidFill>
+            </a:endParaRPr>
+          </a:p>
+          <a:p>
+            <a:pPr marL="800100" lvl="1" indent="-342900">
+              <a:buFont typeface="+mj-lt"/>
+              <a:buAutoNum type="arabicPeriod"/>
+            </a:pPr>
+            <a:r>
+              <a:rPr lang="es-ES" dirty="0">
+                <a:solidFill>
+                  <a:schemeClr val="accent1">
+                    <a:lumMod val="75000"/>
+                  </a:schemeClr>
+                </a:solidFill>
+              </a:rPr>
+              <a:t>Como preparar una </a:t>
+            </a:r>
+            <a:r>
+              <a:rPr lang="es-ES" dirty="0" err="1">
+                <a:solidFill>
+                  <a:schemeClr val="accent1">
+                    <a:lumMod val="75000"/>
+                  </a:schemeClr>
+                </a:solidFill>
+              </a:rPr>
+              <a:t>Inception</a:t>
+            </a:r>
+            <a:endParaRPr lang="es-ES" dirty="0">
+              <a:solidFill>
+                <a:schemeClr val="accent1">
+                  <a:lumMod val="75000"/>
+                </a:schemeClr>
+              </a:solidFill>
+            </a:endParaRPr>
+          </a:p>
+          <a:p>
+            <a:pPr marL="1257300" lvl="2" indent="-342900">
+              <a:buFont typeface="+mj-lt"/>
+              <a:buAutoNum type="arabicPeriod"/>
+            </a:pPr>
+            <a:r>
+              <a:rPr lang="es-ES" dirty="0"/>
+              <a:t>Mapa de </a:t>
+            </a:r>
+            <a:r>
+              <a:rPr lang="es-ES" dirty="0" err="1"/>
+              <a:t>stackholdes</a:t>
+            </a:r>
+            <a:r>
+              <a:rPr lang="es-ES" dirty="0"/>
+              <a:t> </a:t>
+            </a:r>
+          </a:p>
+          <a:p>
+            <a:pPr marL="1257300" lvl="2" indent="-342900">
+              <a:buFont typeface="+mj-lt"/>
+              <a:buAutoNum type="arabicPeriod"/>
+            </a:pPr>
+            <a:endParaRPr lang="es-ES" dirty="0">
+              <a:solidFill>
+                <a:schemeClr val="accent1">
+                  <a:lumMod val="75000"/>
+                </a:schemeClr>
+              </a:solidFill>
+            </a:endParaRPr>
+          </a:p>
+          <a:p>
+            <a:pPr marL="800100" lvl="1" indent="-342900">
+              <a:buAutoNum type="arabicPeriod"/>
+            </a:pPr>
+            <a:endParaRPr lang="es-ES" dirty="0">
+              <a:solidFill>
+                <a:schemeClr val="accent1">
+                  <a:lumMod val="75000"/>
+                </a:schemeClr>
+              </a:solidFill>
+            </a:endParaRPr>
+          </a:p>
+        </p:txBody>
+      </p:sp>
+    </p:spTree>
+    <p:extLst>
+      <p:ext uri="{BB962C8B-B14F-4D97-AF65-F5344CB8AC3E}">
+        <p14:creationId xmlns:p14="http://schemas.microsoft.com/office/powerpoint/2010/main" val="2152990930"/>
+      </p:ext>
+    </p:extLst>
+  </p:cSld>
+  <p:clrMapOvr>
+    <a:masterClrMapping/>
+  </p:clrMapOvr>
+</p:sld>
+</file>
+
+<file path=ppt/slides/slide20.xml><?xml version="1.0" encoding="utf-8"?>
+<p:sld xmlns:a="http://schemas.openxmlformats.org/drawingml/2006/main" xmlns:r="http://schemas.openxmlformats.org/officeDocument/2006/relationships" xmlns:p="http://schemas.openxmlformats.org/presentationml/2006/main">
+  <p:cSld>
+    <p:spTree>
+      <p:nvGrpSpPr>
+        <p:cNvPr id="1" name=""/>
+        <p:cNvGrpSpPr/>
+        <p:nvPr/>
+      </p:nvGrpSpPr>
+      <p:grpSpPr>
+        <a:xfrm>
+          <a:off x="0" y="0"/>
+          <a:ext cx="0" cy="0"/>
+          <a:chOff x="0" y="0"/>
+          <a:chExt cx="0" cy="0"/>
+        </a:xfrm>
+      </p:grpSpPr>
+      <p:sp>
+        <p:nvSpPr>
+          <p:cNvPr id="4" name="Título 3">
+            <a:extLst>
+              <a:ext uri="{FF2B5EF4-FFF2-40B4-BE49-F238E27FC236}">
+                <a16:creationId xmlns:a16="http://schemas.microsoft.com/office/drawing/2014/main" id="{6C82505A-C741-4787-816A-AD4CE9F18845}"/>
+              </a:ext>
+            </a:extLst>
+          </p:cNvPr>
+          <p:cNvSpPr>
+            <a:spLocks noGrp="1"/>
+          </p:cNvSpPr>
+          <p:nvPr>
+            <p:ph type="title"/>
+          </p:nvPr>
+        </p:nvSpPr>
+        <p:spPr>
+          <a:xfrm>
+            <a:off x="645952" y="726816"/>
+            <a:ext cx="9445616" cy="560997"/>
+          </a:xfrm>
+        </p:spPr>
+        <p:txBody>
+          <a:bodyPr>
+            <a:normAutofit fontScale="90000"/>
+          </a:bodyPr>
+          <a:lstStyle/>
+          <a:p>
+            <a:r>
+              <a:rPr lang="es-ES" b="1" dirty="0">
+                <a:solidFill>
+                  <a:srgbClr val="AD198D"/>
+                </a:solidFill>
+              </a:rPr>
+              <a:t>PI </a:t>
+            </a:r>
+            <a:r>
+              <a:rPr lang="es-ES" b="1" dirty="0" err="1">
+                <a:solidFill>
+                  <a:srgbClr val="AD198D"/>
+                </a:solidFill>
+              </a:rPr>
+              <a:t>Planing</a:t>
+            </a:r>
+            <a:endParaRPr lang="es-CO" b="1" dirty="0">
+              <a:solidFill>
+                <a:schemeClr val="accent1">
+                  <a:lumMod val="75000"/>
+                </a:schemeClr>
+              </a:solidFill>
+            </a:endParaRPr>
+          </a:p>
+        </p:txBody>
+      </p:sp>
+      <p:sp>
+        <p:nvSpPr>
+          <p:cNvPr id="6" name="CuadroTexto 5">
+            <a:extLst>
+              <a:ext uri="{FF2B5EF4-FFF2-40B4-BE49-F238E27FC236}">
+                <a16:creationId xmlns:a16="http://schemas.microsoft.com/office/drawing/2014/main" id="{D8711CCA-9202-4152-835A-EBF1A3278DB1}"/>
+              </a:ext>
+            </a:extLst>
+          </p:cNvPr>
+          <p:cNvSpPr txBox="1"/>
+          <p:nvPr/>
+        </p:nvSpPr>
+        <p:spPr>
+          <a:xfrm>
+            <a:off x="758331" y="5999416"/>
+            <a:ext cx="9446002" cy="646331"/>
+          </a:xfrm>
+          <a:prstGeom prst="rect">
+            <a:avLst/>
+          </a:prstGeom>
+          <a:noFill/>
+        </p:spPr>
+        <p:txBody>
+          <a:bodyPr wrap="square" rtlCol="0">
+            <a:spAutoFit/>
+          </a:bodyPr>
+          <a:lstStyle/>
+          <a:p>
+            <a:pPr lvl="1"/>
+            <a:r>
+              <a:rPr lang="es-ES" dirty="0" err="1">
+                <a:solidFill>
+                  <a:schemeClr val="accent1">
+                    <a:lumMod val="75000"/>
+                  </a:schemeClr>
+                </a:solidFill>
+              </a:rPr>
+              <a:t>xxxxxxxxx</a:t>
+            </a:r>
+            <a:endParaRPr lang="es-ES" dirty="0">
+              <a:solidFill>
+                <a:schemeClr val="accent1">
+                  <a:lumMod val="75000"/>
+                </a:schemeClr>
+              </a:solidFill>
+            </a:endParaRPr>
+          </a:p>
+          <a:p>
+            <a:pPr marL="800100" lvl="1" indent="-342900">
+              <a:buAutoNum type="arabicPeriod"/>
+            </a:pPr>
+            <a:endParaRPr lang="es-ES" dirty="0">
+              <a:solidFill>
+                <a:schemeClr val="accent1">
+                  <a:lumMod val="75000"/>
+                </a:schemeClr>
+              </a:solidFill>
+            </a:endParaRPr>
+          </a:p>
+        </p:txBody>
+      </p:sp>
+      <p:cxnSp>
+        <p:nvCxnSpPr>
+          <p:cNvPr id="3" name="Conector recto 2">
+            <a:extLst>
+              <a:ext uri="{FF2B5EF4-FFF2-40B4-BE49-F238E27FC236}">
+                <a16:creationId xmlns:a16="http://schemas.microsoft.com/office/drawing/2014/main" id="{27CE9D79-97AE-41A9-BC40-612A619BFC26}"/>
+              </a:ext>
+            </a:extLst>
+          </p:cNvPr>
+          <p:cNvCxnSpPr/>
+          <p:nvPr/>
+        </p:nvCxnSpPr>
+        <p:spPr>
+          <a:xfrm>
+            <a:off x="645952" y="1375794"/>
+            <a:ext cx="10192624" cy="0"/>
+          </a:xfrm>
+          <a:prstGeom prst="line">
+            <a:avLst/>
+          </a:prstGeom>
+          <a:ln w="28575">
+            <a:solidFill>
+              <a:srgbClr val="7030A0"/>
+            </a:solidFill>
+          </a:ln>
+        </p:spPr>
+        <p:style>
+          <a:lnRef idx="1">
+            <a:schemeClr val="accent1"/>
+          </a:lnRef>
+          <a:fillRef idx="0">
+            <a:schemeClr val="accent1"/>
+          </a:fillRef>
+          <a:effectRef idx="0">
+            <a:schemeClr val="accent1"/>
+          </a:effectRef>
+          <a:fontRef idx="minor">
+            <a:schemeClr val="tx1"/>
+          </a:fontRef>
+        </p:style>
+      </p:cxnSp>
+      <p:sp>
+        <p:nvSpPr>
+          <p:cNvPr id="2" name="Rectángulo 1">
+            <a:extLst>
+              <a:ext uri="{FF2B5EF4-FFF2-40B4-BE49-F238E27FC236}">
+                <a16:creationId xmlns:a16="http://schemas.microsoft.com/office/drawing/2014/main" id="{55E2EC8A-D6F6-4D5C-ADF1-489BC8E50ED5}"/>
+              </a:ext>
+            </a:extLst>
+          </p:cNvPr>
+          <p:cNvSpPr/>
+          <p:nvPr/>
+        </p:nvSpPr>
+        <p:spPr>
+          <a:xfrm>
+            <a:off x="645952" y="1582341"/>
+            <a:ext cx="10695816" cy="646331"/>
+          </a:xfrm>
+          <a:prstGeom prst="rect">
+            <a:avLst/>
+          </a:prstGeom>
+        </p:spPr>
+        <p:txBody>
+          <a:bodyPr wrap="square">
+            <a:spAutoFit/>
+          </a:bodyPr>
+          <a:lstStyle/>
+          <a:p>
+            <a:r>
+              <a:rPr lang="es-CO" dirty="0">
+                <a:solidFill>
+                  <a:srgbClr val="333333"/>
+                </a:solidFill>
+                <a:latin typeface="Helvetica Neue"/>
+              </a:rPr>
+              <a:t>El Manifiesto Ágil dice: "El método más eficiente y efectivo para transmitir información al equipo de desarrollo y dentro de él es una conversación cara a cara".</a:t>
+            </a:r>
+            <a:endParaRPr lang="es-CO" dirty="0"/>
+          </a:p>
+        </p:txBody>
+      </p:sp>
+    </p:spTree>
+    <p:extLst>
+      <p:ext uri="{BB962C8B-B14F-4D97-AF65-F5344CB8AC3E}">
+        <p14:creationId xmlns:p14="http://schemas.microsoft.com/office/powerpoint/2010/main" val="958727104"/>
+      </p:ext>
+    </p:extLst>
+  </p:cSld>
+  <p:clrMapOvr>
+    <a:masterClrMapping/>
+  </p:clrMapOvr>
+</p:sld>
+</file>
+
+<file path=ppt/slides/slide21.xml><?xml version="1.0" encoding="utf-8"?>
 <p:sld xmlns:a="http://schemas.openxmlformats.org/drawingml/2006/main" xmlns:r="http://schemas.openxmlformats.org/officeDocument/2006/relationships" xmlns:p="http://schemas.openxmlformats.org/presentationml/2006/main">
   <p:cSld>
     <p:spTree>
@@ -7464,7 +10981,7 @@
 </p:sld>
 </file>
 
-<file path=ppt/slides/slide15.xml><?xml version="1.0" encoding="utf-8"?>
+<file path=ppt/slides/slide22.xml><?xml version="1.0" encoding="utf-8"?>
 <p:sld xmlns:a="http://schemas.openxmlformats.org/drawingml/2006/main" xmlns:r="http://schemas.openxmlformats.org/officeDocument/2006/relationships" xmlns:p="http://schemas.openxmlformats.org/presentationml/2006/main">
   <p:cSld>
     <p:spTree>
@@ -7873,7 +11390,7 @@
 </p:sld>
 </file>
 
-<file path=ppt/slides/slide16.xml><?xml version="1.0" encoding="utf-8"?>
+<file path=ppt/slides/slide23.xml><?xml version="1.0" encoding="utf-8"?>
 <p:sld xmlns:a="http://schemas.openxmlformats.org/drawingml/2006/main" xmlns:r="http://schemas.openxmlformats.org/officeDocument/2006/relationships" xmlns:p="http://schemas.openxmlformats.org/presentationml/2006/main">
   <p:cSld>
     <p:spTree>
@@ -8046,7 +11563,7 @@
 </p:sld>
 </file>
 
-<file path=ppt/slides/slide17.xml><?xml version="1.0" encoding="utf-8"?>
+<file path=ppt/slides/slide24.xml><?xml version="1.0" encoding="utf-8"?>
 <p:sld xmlns:a="http://schemas.openxmlformats.org/drawingml/2006/main" xmlns:r="http://schemas.openxmlformats.org/officeDocument/2006/relationships" xmlns:p="http://schemas.openxmlformats.org/presentationml/2006/main">
   <p:cSld>
     <p:spTree>
@@ -8139,221 +11656,6 @@
 </p:sld>
 </file>
 
-<file path=ppt/slides/slide2.xml><?xml version="1.0" encoding="utf-8"?>
-<p:sld xmlns:a="http://schemas.openxmlformats.org/drawingml/2006/main" xmlns:r="http://schemas.openxmlformats.org/officeDocument/2006/relationships" xmlns:p="http://schemas.openxmlformats.org/presentationml/2006/main">
-  <p:cSld>
-    <p:spTree>
-      <p:nvGrpSpPr>
-        <p:cNvPr id="1" name=""/>
-        <p:cNvGrpSpPr/>
-        <p:nvPr/>
-      </p:nvGrpSpPr>
-      <p:grpSpPr>
-        <a:xfrm>
-          <a:off x="0" y="0"/>
-          <a:ext cx="0" cy="0"/>
-          <a:chOff x="0" y="0"/>
-          <a:chExt cx="0" cy="0"/>
-        </a:xfrm>
-      </p:grpSpPr>
-      <p:sp>
-        <p:nvSpPr>
-          <p:cNvPr id="4" name="Título 3">
-            <a:extLst>
-              <a:ext uri="{FF2B5EF4-FFF2-40B4-BE49-F238E27FC236}">
-                <a16:creationId xmlns:a16="http://schemas.microsoft.com/office/drawing/2014/main" id="{6C82505A-C741-4787-816A-AD4CE9F18845}"/>
-              </a:ext>
-            </a:extLst>
-          </p:cNvPr>
-          <p:cNvSpPr>
-            <a:spLocks noGrp="1"/>
-          </p:cNvSpPr>
-          <p:nvPr>
-            <p:ph type="title"/>
-          </p:nvPr>
-        </p:nvSpPr>
-        <p:spPr/>
-        <p:txBody>
-          <a:bodyPr>
-            <a:normAutofit fontScale="90000"/>
-          </a:bodyPr>
-          <a:lstStyle/>
-          <a:p>
-            <a:r>
-              <a:rPr lang="es-ES" b="1" dirty="0" err="1">
-                <a:solidFill>
-                  <a:srgbClr val="AD198D"/>
-                </a:solidFill>
-              </a:rPr>
-              <a:t>Indice</a:t>
-            </a:r>
-            <a:endParaRPr lang="es-CO" b="1" dirty="0">
-              <a:solidFill>
-                <a:schemeClr val="accent1">
-                  <a:lumMod val="75000"/>
-                </a:schemeClr>
-              </a:solidFill>
-            </a:endParaRPr>
-          </a:p>
-        </p:txBody>
-      </p:sp>
-      <p:sp>
-        <p:nvSpPr>
-          <p:cNvPr id="6" name="CuadroTexto 5">
-            <a:extLst>
-              <a:ext uri="{FF2B5EF4-FFF2-40B4-BE49-F238E27FC236}">
-                <a16:creationId xmlns:a16="http://schemas.microsoft.com/office/drawing/2014/main" id="{D8711CCA-9202-4152-835A-EBF1A3278DB1}"/>
-              </a:ext>
-            </a:extLst>
-          </p:cNvPr>
-          <p:cNvSpPr txBox="1"/>
-          <p:nvPr/>
-        </p:nvSpPr>
-        <p:spPr>
-          <a:xfrm>
-            <a:off x="1124513" y="1475190"/>
-            <a:ext cx="4439804" cy="1754326"/>
-          </a:xfrm>
-          <a:prstGeom prst="rect">
-            <a:avLst/>
-          </a:prstGeom>
-          <a:noFill/>
-        </p:spPr>
-        <p:txBody>
-          <a:bodyPr wrap="square" rtlCol="0">
-            <a:spAutoFit/>
-          </a:bodyPr>
-          <a:lstStyle/>
-          <a:p>
-            <a:pPr marL="342900" indent="-342900">
-              <a:buFont typeface="+mj-lt"/>
-              <a:buAutoNum type="arabicPeriod"/>
-            </a:pPr>
-            <a:r>
-              <a:rPr lang="es-ES" dirty="0">
-                <a:solidFill>
-                  <a:schemeClr val="accent1">
-                    <a:lumMod val="75000"/>
-                  </a:schemeClr>
-                </a:solidFill>
-              </a:rPr>
-              <a:t>Incepción</a:t>
-            </a:r>
-          </a:p>
-          <a:p>
-            <a:pPr marL="800100" lvl="1" indent="-342900">
-              <a:buFont typeface="+mj-lt"/>
-              <a:buAutoNum type="arabicPeriod"/>
-            </a:pPr>
-            <a:r>
-              <a:rPr lang="es-ES" dirty="0" err="1">
-                <a:solidFill>
-                  <a:schemeClr val="accent1">
-                    <a:lumMod val="75000"/>
-                  </a:schemeClr>
-                </a:solidFill>
-              </a:rPr>
-              <a:t>Introduccion</a:t>
-            </a:r>
-            <a:endParaRPr lang="es-ES" dirty="0">
-              <a:solidFill>
-                <a:schemeClr val="accent1">
-                  <a:lumMod val="75000"/>
-                </a:schemeClr>
-              </a:solidFill>
-            </a:endParaRPr>
-          </a:p>
-          <a:p>
-            <a:pPr marL="800100" lvl="1" indent="-342900">
-              <a:buFont typeface="+mj-lt"/>
-              <a:buAutoNum type="arabicPeriod"/>
-            </a:pPr>
-            <a:r>
-              <a:rPr lang="es-ES" dirty="0">
-                <a:solidFill>
-                  <a:schemeClr val="accent1">
-                    <a:lumMod val="75000"/>
-                  </a:schemeClr>
-                </a:solidFill>
-              </a:rPr>
-              <a:t>Como preparar una </a:t>
-            </a:r>
-            <a:r>
-              <a:rPr lang="es-ES" dirty="0" err="1">
-                <a:solidFill>
-                  <a:schemeClr val="accent1">
-                    <a:lumMod val="75000"/>
-                  </a:schemeClr>
-                </a:solidFill>
-              </a:rPr>
-              <a:t>Inception</a:t>
-            </a:r>
-            <a:endParaRPr lang="es-ES" dirty="0">
-              <a:solidFill>
-                <a:schemeClr val="accent1">
-                  <a:lumMod val="75000"/>
-                </a:schemeClr>
-              </a:solidFill>
-            </a:endParaRPr>
-          </a:p>
-          <a:p>
-            <a:pPr marL="1257300" lvl="2" indent="-342900">
-              <a:buFont typeface="+mj-lt"/>
-              <a:buAutoNum type="arabicPeriod"/>
-            </a:pPr>
-            <a:r>
-              <a:rPr lang="es-ES" dirty="0"/>
-              <a:t>Mapa de </a:t>
-            </a:r>
-            <a:r>
-              <a:rPr lang="es-ES" dirty="0" err="1"/>
-              <a:t>stackholdes</a:t>
-            </a:r>
-            <a:r>
-              <a:rPr lang="es-ES" dirty="0"/>
-              <a:t> </a:t>
-            </a:r>
-          </a:p>
-          <a:p>
-            <a:pPr marL="1257300" lvl="2" indent="-342900">
-              <a:buFont typeface="+mj-lt"/>
-              <a:buAutoNum type="arabicPeriod"/>
-            </a:pPr>
-            <a:endParaRPr lang="es-ES" dirty="0">
-              <a:solidFill>
-                <a:schemeClr val="accent1">
-                  <a:lumMod val="75000"/>
-                </a:schemeClr>
-              </a:solidFill>
-            </a:endParaRPr>
-          </a:p>
-          <a:p>
-            <a:pPr marL="800100" lvl="1" indent="-342900">
-              <a:buAutoNum type="arabicPeriod"/>
-            </a:pPr>
-            <a:endParaRPr lang="es-ES" dirty="0">
-              <a:solidFill>
-                <a:schemeClr val="accent1">
-                  <a:lumMod val="75000"/>
-                </a:schemeClr>
-              </a:solidFill>
-            </a:endParaRPr>
-          </a:p>
-        </p:txBody>
-      </p:sp>
-    </p:spTree>
-    <p:extLst>
-      <p:ext uri="{BB962C8B-B14F-4D97-AF65-F5344CB8AC3E}">
-        <p14:creationId xmlns:p14="http://schemas.microsoft.com/office/powerpoint/2010/main" val="2152990930"/>
-      </p:ext>
-    </p:extLst>
-  </p:cSld>
-  <p:clrMapOvr>
-    <a:masterClrMapping/>
-  </p:clrMapOvr>
-</p:sld>
-</file>
-
 <file path=ppt/slides/slide3.xml><?xml version="1.0" encoding="utf-8"?>
 <p:sld xmlns:a="http://schemas.openxmlformats.org/drawingml/2006/main" xmlns:r="http://schemas.openxmlformats.org/officeDocument/2006/relationships" xmlns:p="http://schemas.openxmlformats.org/presentationml/2006/main">
   <p:cSld>
@@ -8400,12 +11702,12 @@
           <a:lstStyle/>
           <a:p>
             <a:r>
-              <a:rPr lang="es-ES" b="1" dirty="0">
+              <a:rPr lang="es-ES" b="1" dirty="0" err="1">
                 <a:solidFill>
                   <a:srgbClr val="AD198D"/>
                 </a:solidFill>
               </a:rPr>
-              <a:t>Introducción</a:t>
+              <a:t>Inception</a:t>
             </a:r>
             <a:endParaRPr lang="es-CO" b="1" dirty="0">
               <a:solidFill>
@@ -9505,7 +12807,7 @@
           <a:noFill/>
           <a:ln w="28575">
             <a:solidFill>
-              <a:schemeClr val="accent6"/>
+              <a:srgbClr val="AD198D"/>
             </a:solidFill>
           </a:ln>
         </p:spPr>
@@ -10480,8 +13782,8 @@
         </p:nvSpPr>
         <p:spPr>
           <a:xfrm>
-            <a:off x="1672731" y="2917836"/>
-            <a:ext cx="5023344" cy="369332"/>
+            <a:off x="345416" y="2699721"/>
+            <a:ext cx="3974914" cy="1200329"/>
           </a:xfrm>
           <a:prstGeom prst="rect">
             <a:avLst/>
@@ -10494,7 +13796,10 @@
           </a:bodyPr>
           <a:lstStyle/>
           <a:p>
-            <a:pPr lvl="1"/>
+            <a:pPr marL="742950" lvl="1" indent="-285750">
+              <a:buFont typeface="Arial" panose="020B0604020202020204" pitchFamily="34" charset="0"/>
+              <a:buChar char="•"/>
+            </a:pPr>
             <a:r>
               <a:rPr lang="es-ES" dirty="0">
                 <a:solidFill>
@@ -10503,7 +13808,23 @@
                   </a:schemeClr>
                 </a:solidFill>
               </a:rPr>
-              <a:t>Por qué estamos haciendo este proyecto</a:t>
+              <a:t>Por qué estamos haciendo el proyecto</a:t>
+            </a:r>
+          </a:p>
+          <a:p>
+            <a:pPr marL="742950" lvl="1" indent="-285750">
+              <a:buFont typeface="Arial" panose="020B0604020202020204" pitchFamily="34" charset="0"/>
+              <a:buChar char="•"/>
+            </a:pPr>
+            <a:r>
+              <a:rPr lang="es-ES" dirty="0">
+                <a:solidFill>
+                  <a:schemeClr val="accent1">
+                    <a:lumMod val="75000"/>
+                  </a:schemeClr>
+                </a:solidFill>
+              </a:rPr>
+              <a:t>Para que estamos haciendo el proyecto</a:t>
             </a:r>
           </a:p>
         </p:txBody>
@@ -10873,6 +14194,268 @@
           </p:txBody>
         </p:sp>
       </p:grpSp>
+      <p:grpSp>
+        <p:nvGrpSpPr>
+          <p:cNvPr id="2" name="Grupo 1">
+            <a:extLst>
+              <a:ext uri="{FF2B5EF4-FFF2-40B4-BE49-F238E27FC236}">
+                <a16:creationId xmlns:a16="http://schemas.microsoft.com/office/drawing/2014/main" id="{95621D9B-C143-4C58-95AA-1F341A6E504E}"/>
+              </a:ext>
+            </a:extLst>
+          </p:cNvPr>
+          <p:cNvGrpSpPr/>
+          <p:nvPr/>
+        </p:nvGrpSpPr>
+        <p:grpSpPr>
+          <a:xfrm>
+            <a:off x="6413911" y="3429000"/>
+            <a:ext cx="3390480" cy="1695240"/>
+            <a:chOff x="5583401" y="4126506"/>
+            <a:chExt cx="3390480" cy="1695240"/>
+          </a:xfrm>
+        </p:grpSpPr>
+        <p:pic>
+          <p:nvPicPr>
+            <p:cNvPr id="12" name="Imagen 11">
+              <a:extLst>
+                <a:ext uri="{FF2B5EF4-FFF2-40B4-BE49-F238E27FC236}">
+                  <a16:creationId xmlns:a16="http://schemas.microsoft.com/office/drawing/2014/main" id="{68697CC2-52A8-48F2-B480-6F813D31E329}"/>
+                </a:ext>
+              </a:extLst>
+            </p:cNvPr>
+            <p:cNvPicPr>
+              <a:picLocks noChangeAspect="1"/>
+            </p:cNvPicPr>
+            <p:nvPr/>
+          </p:nvPicPr>
+          <p:blipFill>
+            <a:blip r:embed="rId2">
+              <a:duotone>
+                <a:prstClr val="black"/>
+                <a:schemeClr val="accent1">
+                  <a:tint val="45000"/>
+                  <a:satMod val="400000"/>
+                </a:schemeClr>
+              </a:duotone>
+              <a:extLst>
+                <a:ext uri="{28A0092B-C50C-407E-A947-70E740481C1C}">
+                  <a14:useLocalDpi xmlns:a14="http://schemas.microsoft.com/office/drawing/2010/main" val="0"/>
+                </a:ext>
+              </a:extLst>
+            </a:blip>
+            <a:stretch>
+              <a:fillRect/>
+            </a:stretch>
+          </p:blipFill>
+          <p:spPr>
+            <a:xfrm>
+              <a:off x="5583401" y="4126506"/>
+              <a:ext cx="1695240" cy="1695240"/>
+            </a:xfrm>
+            <a:prstGeom prst="rect">
+              <a:avLst/>
+            </a:prstGeom>
+          </p:spPr>
+        </p:pic>
+        <p:pic>
+          <p:nvPicPr>
+            <p:cNvPr id="13" name="Imagen 12">
+              <a:extLst>
+                <a:ext uri="{FF2B5EF4-FFF2-40B4-BE49-F238E27FC236}">
+                  <a16:creationId xmlns:a16="http://schemas.microsoft.com/office/drawing/2014/main" id="{376833AC-54F9-461C-8F14-381FCB40E30D}"/>
+                </a:ext>
+              </a:extLst>
+            </p:cNvPr>
+            <p:cNvPicPr>
+              <a:picLocks noChangeAspect="1"/>
+            </p:cNvPicPr>
+            <p:nvPr/>
+          </p:nvPicPr>
+          <p:blipFill>
+            <a:blip r:embed="rId3">
+              <a:duotone>
+                <a:prstClr val="black"/>
+                <a:schemeClr val="accent1">
+                  <a:tint val="45000"/>
+                  <a:satMod val="400000"/>
+                </a:schemeClr>
+              </a:duotone>
+              <a:extLst>
+                <a:ext uri="{28A0092B-C50C-407E-A947-70E740481C1C}">
+                  <a14:useLocalDpi xmlns:a14="http://schemas.microsoft.com/office/drawing/2010/main" val="0"/>
+                </a:ext>
+              </a:extLst>
+            </a:blip>
+            <a:stretch>
+              <a:fillRect/>
+            </a:stretch>
+          </p:blipFill>
+          <p:spPr>
+            <a:xfrm>
+              <a:off x="7278641" y="4126506"/>
+              <a:ext cx="1695240" cy="1695240"/>
+            </a:xfrm>
+            <a:prstGeom prst="rect">
+              <a:avLst/>
+            </a:prstGeom>
+          </p:spPr>
+        </p:pic>
+      </p:grpSp>
+      <p:sp>
+        <p:nvSpPr>
+          <p:cNvPr id="14" name="Llamada rectangular 8">
+            <a:extLst>
+              <a:ext uri="{FF2B5EF4-FFF2-40B4-BE49-F238E27FC236}">
+                <a16:creationId xmlns:a16="http://schemas.microsoft.com/office/drawing/2014/main" id="{3DE21938-66DB-44F8-977D-001A974E0A9D}"/>
+              </a:ext>
+            </a:extLst>
+          </p:cNvPr>
+          <p:cNvSpPr/>
+          <p:nvPr/>
+        </p:nvSpPr>
+        <p:spPr>
+          <a:xfrm>
+            <a:off x="6608567" y="1652626"/>
+            <a:ext cx="2845825" cy="1291206"/>
+          </a:xfrm>
+          <a:prstGeom prst="wedgeRectCallout">
+            <a:avLst>
+              <a:gd name="adj1" fmla="val -7403"/>
+              <a:gd name="adj2" fmla="val 66437"/>
+            </a:avLst>
+          </a:prstGeom>
+          <a:noFill/>
+          <a:ln w="38100">
+            <a:solidFill>
+              <a:schemeClr val="accent6"/>
+            </a:solidFill>
+          </a:ln>
+        </p:spPr>
+        <p:style>
+          <a:lnRef idx="2">
+            <a:schemeClr val="accent1">
+              <a:shade val="50000"/>
+            </a:schemeClr>
+          </a:lnRef>
+          <a:fillRef idx="1">
+            <a:schemeClr val="accent1"/>
+          </a:fillRef>
+          <a:effectRef idx="0">
+            <a:schemeClr val="accent1"/>
+          </a:effectRef>
+          <a:fontRef idx="minor">
+            <a:schemeClr val="lt1"/>
+          </a:fontRef>
+        </p:style>
+        <p:txBody>
+          <a:bodyPr rtlCol="0" anchor="ctr"/>
+          <a:lstStyle/>
+          <a:p>
+            <a:pPr algn="ctr"/>
+            <a:r>
+              <a:rPr lang="es-CO" sz="1400" dirty="0">
+                <a:solidFill>
+                  <a:schemeClr val="accent6"/>
+                </a:solidFill>
+                <a:latin typeface="Arial" panose="020B0604020202020204" pitchFamily="34" charset="0"/>
+                <a:cs typeface="Arial" panose="020B0604020202020204" pitchFamily="34" charset="0"/>
+              </a:rPr>
+              <a:t>Lo primero que tenemos que asegurar es que </a:t>
+            </a:r>
+            <a:r>
+              <a:rPr lang="es-CO" sz="1400" b="1" dirty="0">
+                <a:solidFill>
+                  <a:schemeClr val="accent6"/>
+                </a:solidFill>
+                <a:latin typeface="Arial" panose="020B0604020202020204" pitchFamily="34" charset="0"/>
+                <a:cs typeface="Arial" panose="020B0604020202020204" pitchFamily="34" charset="0"/>
+              </a:rPr>
+              <a:t>todos</a:t>
+            </a:r>
+            <a:r>
+              <a:rPr lang="es-CO" sz="1400" dirty="0">
+                <a:solidFill>
+                  <a:schemeClr val="accent6"/>
+                </a:solidFill>
+                <a:latin typeface="Arial" panose="020B0604020202020204" pitchFamily="34" charset="0"/>
+                <a:cs typeface="Arial" panose="020B0604020202020204" pitchFamily="34" charset="0"/>
+              </a:rPr>
+              <a:t> los miembros del equipo entendamos la </a:t>
+            </a:r>
+            <a:r>
+              <a:rPr lang="es-CO" sz="1400" b="1" dirty="0">
+                <a:solidFill>
+                  <a:schemeClr val="accent6"/>
+                </a:solidFill>
+                <a:latin typeface="Arial" panose="020B0604020202020204" pitchFamily="34" charset="0"/>
+                <a:cs typeface="Arial" panose="020B0604020202020204" pitchFamily="34" charset="0"/>
+              </a:rPr>
+              <a:t>Principal </a:t>
+            </a:r>
+            <a:r>
+              <a:rPr lang="es-CO" sz="1400" dirty="0">
+                <a:solidFill>
+                  <a:schemeClr val="accent6"/>
+                </a:solidFill>
+                <a:latin typeface="Arial" panose="020B0604020202020204" pitchFamily="34" charset="0"/>
+                <a:cs typeface="Arial" panose="020B0604020202020204" pitchFamily="34" charset="0"/>
+              </a:rPr>
+              <a:t>razón del proyecto!</a:t>
+            </a:r>
+          </a:p>
+        </p:txBody>
+      </p:sp>
+      <p:sp>
+        <p:nvSpPr>
+          <p:cNvPr id="15" name="CuadroTexto 14">
+            <a:extLst>
+              <a:ext uri="{FF2B5EF4-FFF2-40B4-BE49-F238E27FC236}">
+                <a16:creationId xmlns:a16="http://schemas.microsoft.com/office/drawing/2014/main" id="{55E1DC50-EF61-4CCE-BD4B-9D9614FCEDA6}"/>
+              </a:ext>
+            </a:extLst>
+          </p:cNvPr>
+          <p:cNvSpPr txBox="1"/>
+          <p:nvPr/>
+        </p:nvSpPr>
+        <p:spPr>
+          <a:xfrm>
+            <a:off x="1326825" y="5609408"/>
+            <a:ext cx="6156960" cy="646331"/>
+          </a:xfrm>
+          <a:prstGeom prst="rect">
+            <a:avLst/>
+          </a:prstGeom>
+          <a:noFill/>
+        </p:spPr>
+        <p:txBody>
+          <a:bodyPr wrap="square" rtlCol="0">
+            <a:spAutoFit/>
+          </a:bodyPr>
+          <a:lstStyle/>
+          <a:p>
+            <a:r>
+              <a:rPr lang="es-CO" b="1" dirty="0">
+                <a:solidFill>
+                  <a:schemeClr val="accent6"/>
+                </a:solidFill>
+                <a:latin typeface="Arial" panose="020B0604020202020204" pitchFamily="34" charset="0"/>
+                <a:cs typeface="Arial" panose="020B0604020202020204" pitchFamily="34" charset="0"/>
+              </a:rPr>
+              <a:t>Tip:</a:t>
+            </a:r>
+            <a:r>
+              <a:rPr lang="es-CO" dirty="0">
+                <a:solidFill>
+                  <a:schemeClr val="accent6"/>
+                </a:solidFill>
+                <a:latin typeface="Arial" panose="020B0604020202020204" pitchFamily="34" charset="0"/>
+                <a:cs typeface="Arial" panose="020B0604020202020204" pitchFamily="34" charset="0"/>
+              </a:rPr>
+              <a:t> Recuerda que no solo es importante que el equipo sepa la razón, si no que se entienda (el trasfondo)</a:t>
+            </a:r>
+          </a:p>
+        </p:txBody>
+      </p:sp>
     </p:spTree>
     <p:extLst>
       <p:ext uri="{BB962C8B-B14F-4D97-AF65-F5344CB8AC3E}">
